--- a/slides/3 Tokenization and Word Frequency.pptx
+++ b/slides/3 Tokenization and Word Frequency.pptx
@@ -4,37 +4,40 @@
   <p:sldMasterIdLst>
     <p:sldMasterId id="2147483660" r:id="rId1"/>
   </p:sldMasterIdLst>
+  <p:notesMasterIdLst>
+    <p:notesMasterId r:id="rId32"/>
+  </p:notesMasterIdLst>
   <p:sldIdLst>
-    <p:sldId id="308" r:id="rId2"/>
-    <p:sldId id="256" r:id="rId3"/>
-    <p:sldId id="287" r:id="rId4"/>
-    <p:sldId id="281" r:id="rId5"/>
-    <p:sldId id="282" r:id="rId6"/>
-    <p:sldId id="283" r:id="rId7"/>
-    <p:sldId id="257" r:id="rId8"/>
-    <p:sldId id="285" r:id="rId9"/>
-    <p:sldId id="284" r:id="rId10"/>
-    <p:sldId id="286" r:id="rId11"/>
-    <p:sldId id="288" r:id="rId12"/>
-    <p:sldId id="289" r:id="rId13"/>
-    <p:sldId id="290" r:id="rId14"/>
-    <p:sldId id="293" r:id="rId15"/>
-    <p:sldId id="291" r:id="rId16"/>
-    <p:sldId id="292" r:id="rId17"/>
-    <p:sldId id="294" r:id="rId18"/>
-    <p:sldId id="295" r:id="rId19"/>
-    <p:sldId id="296" r:id="rId20"/>
-    <p:sldId id="297" r:id="rId21"/>
-    <p:sldId id="298" r:id="rId22"/>
-    <p:sldId id="299" r:id="rId23"/>
-    <p:sldId id="300" r:id="rId24"/>
-    <p:sldId id="301" r:id="rId25"/>
-    <p:sldId id="302" r:id="rId26"/>
-    <p:sldId id="303" r:id="rId27"/>
-    <p:sldId id="304" r:id="rId28"/>
-    <p:sldId id="305" r:id="rId29"/>
-    <p:sldId id="306" r:id="rId30"/>
-    <p:sldId id="307" r:id="rId31"/>
+    <p:sldId id="256" r:id="rId2"/>
+    <p:sldId id="287" r:id="rId3"/>
+    <p:sldId id="281" r:id="rId4"/>
+    <p:sldId id="282" r:id="rId5"/>
+    <p:sldId id="283" r:id="rId6"/>
+    <p:sldId id="257" r:id="rId7"/>
+    <p:sldId id="285" r:id="rId8"/>
+    <p:sldId id="284" r:id="rId9"/>
+    <p:sldId id="286" r:id="rId10"/>
+    <p:sldId id="288" r:id="rId11"/>
+    <p:sldId id="289" r:id="rId12"/>
+    <p:sldId id="290" r:id="rId13"/>
+    <p:sldId id="293" r:id="rId14"/>
+    <p:sldId id="291" r:id="rId15"/>
+    <p:sldId id="292" r:id="rId16"/>
+    <p:sldId id="294" r:id="rId17"/>
+    <p:sldId id="295" r:id="rId18"/>
+    <p:sldId id="296" r:id="rId19"/>
+    <p:sldId id="297" r:id="rId20"/>
+    <p:sldId id="298" r:id="rId21"/>
+    <p:sldId id="299" r:id="rId22"/>
+    <p:sldId id="300" r:id="rId23"/>
+    <p:sldId id="301" r:id="rId24"/>
+    <p:sldId id="302" r:id="rId25"/>
+    <p:sldId id="303" r:id="rId26"/>
+    <p:sldId id="304" r:id="rId27"/>
+    <p:sldId id="305" r:id="rId28"/>
+    <p:sldId id="306" r:id="rId29"/>
+    <p:sldId id="307" r:id="rId30"/>
+    <p:sldId id="308" r:id="rId31"/>
   </p:sldIdLst>
   <p:sldSz cx="12192000" cy="6858000"/>
   <p:notesSz cx="6858000" cy="9144000"/>
@@ -141,6 +144,14 @@
 </p:presentation>
 </file>
 
+<file path=ppt/revisionInfo.xml><?xml version="1.0" encoding="utf-8"?>
+<p1510:revInfo xmlns:a="http://schemas.openxmlformats.org/drawingml/2006/main" xmlns:r="http://schemas.openxmlformats.org/officeDocument/2006/relationships" xmlns:p1510="http://schemas.microsoft.com/office/powerpoint/2015/10/main">
+  <p1510:revLst>
+    <p1510:client id="{2429029B-42DE-8F48-8FB5-B5D0E01441CC}" v="17" dt="2026-01-12T17:44:20.569"/>
+  </p1510:revLst>
+</p1510:revInfo>
+</file>
+
 <file path=ppt/changesInfos/changesInfo1.xml><?xml version="1.0" encoding="utf-8"?>
 <pc:chgInfo xmlns:a="http://schemas.openxmlformats.org/drawingml/2006/main" xmlns:r="http://schemas.openxmlformats.org/officeDocument/2006/relationships" xmlns:ac="http://schemas.microsoft.com/office/drawing/2013/main/command" xmlns:pc="http://schemas.microsoft.com/office/powerpoint/2013/main/command">
   <pc:docChgLst>
@@ -170,6 +181,258 @@
             <pc:docMk/>
             <pc:sldMk cId="1652413843" sldId="308"/>
             <ac:spMk id="3" creationId="{59380D1F-C5B6-0720-769C-AF9333D0EA62}"/>
+          </ac:spMkLst>
+        </pc:spChg>
+      </pc:sldChg>
+    </pc:docChg>
+  </pc:docChgLst>
+  <pc:docChgLst>
+    <pc:chgData name="Sebastian Vallejo Vera" userId="661f42ee-5565-49c4-8b1d-325f2d699b91" providerId="ADAL" clId="{2429029B-42DE-8F48-8FB5-B5D0E01441CC}"/>
+    <pc:docChg chg="undo custSel addSld delSld modSld">
+      <pc:chgData name="Sebastian Vallejo Vera" userId="661f42ee-5565-49c4-8b1d-325f2d699b91" providerId="ADAL" clId="{2429029B-42DE-8F48-8FB5-B5D0E01441CC}" dt="2026-01-12T17:52:11.424" v="1070" actId="20577"/>
+      <pc:docMkLst>
+        <pc:docMk/>
+      </pc:docMkLst>
+      <pc:sldChg chg="addSp modSp mod">
+        <pc:chgData name="Sebastian Vallejo Vera" userId="661f42ee-5565-49c4-8b1d-325f2d699b91" providerId="ADAL" clId="{2429029B-42DE-8F48-8FB5-B5D0E01441CC}" dt="2026-01-12T17:10:13.255" v="84" actId="1076"/>
+        <pc:sldMkLst>
+          <pc:docMk/>
+          <pc:sldMk cId="1704471439" sldId="289"/>
+        </pc:sldMkLst>
+        <pc:spChg chg="mod">
+          <ac:chgData name="Sebastian Vallejo Vera" userId="661f42ee-5565-49c4-8b1d-325f2d699b91" providerId="ADAL" clId="{2429029B-42DE-8F48-8FB5-B5D0E01441CC}" dt="2026-01-12T17:10:09.165" v="83"/>
+          <ac:spMkLst>
+            <pc:docMk/>
+            <pc:sldMk cId="1704471439" sldId="289"/>
+            <ac:spMk id="3" creationId="{5BA8C92E-395B-677D-3172-2E12659D3761}"/>
+          </ac:spMkLst>
+        </pc:spChg>
+        <pc:picChg chg="add mod">
+          <ac:chgData name="Sebastian Vallejo Vera" userId="661f42ee-5565-49c4-8b1d-325f2d699b91" providerId="ADAL" clId="{2429029B-42DE-8F48-8FB5-B5D0E01441CC}" dt="2026-01-12T17:10:13.255" v="84" actId="1076"/>
+          <ac:picMkLst>
+            <pc:docMk/>
+            <pc:sldMk cId="1704471439" sldId="289"/>
+            <ac:picMk id="4" creationId="{C3FC5F01-DF19-61D3-A8F6-80AA2C759F48}"/>
+          </ac:picMkLst>
+        </pc:picChg>
+      </pc:sldChg>
+      <pc:sldChg chg="addSp modSp mod">
+        <pc:chgData name="Sebastian Vallejo Vera" userId="661f42ee-5565-49c4-8b1d-325f2d699b91" providerId="ADAL" clId="{2429029B-42DE-8F48-8FB5-B5D0E01441CC}" dt="2026-01-12T17:14:09.938" v="93" actId="1076"/>
+        <pc:sldMkLst>
+          <pc:docMk/>
+          <pc:sldMk cId="529792731" sldId="291"/>
+        </pc:sldMkLst>
+        <pc:spChg chg="mod">
+          <ac:chgData name="Sebastian Vallejo Vera" userId="661f42ee-5565-49c4-8b1d-325f2d699b91" providerId="ADAL" clId="{2429029B-42DE-8F48-8FB5-B5D0E01441CC}" dt="2026-01-12T17:13:19.742" v="87" actId="20577"/>
+          <ac:spMkLst>
+            <pc:docMk/>
+            <pc:sldMk cId="529792731" sldId="291"/>
+            <ac:spMk id="3" creationId="{3982E04B-01F7-32FC-7A80-16F23519456B}"/>
+          </ac:spMkLst>
+        </pc:spChg>
+        <pc:picChg chg="add mod">
+          <ac:chgData name="Sebastian Vallejo Vera" userId="661f42ee-5565-49c4-8b1d-325f2d699b91" providerId="ADAL" clId="{2429029B-42DE-8F48-8FB5-B5D0E01441CC}" dt="2026-01-12T17:14:09.938" v="93" actId="1076"/>
+          <ac:picMkLst>
+            <pc:docMk/>
+            <pc:sldMk cId="529792731" sldId="291"/>
+            <ac:picMk id="4" creationId="{3EF646F5-FDA1-EC52-3DF1-51601AA7400A}"/>
+          </ac:picMkLst>
+        </pc:picChg>
+      </pc:sldChg>
+      <pc:sldChg chg="addSp delSp modSp mod">
+        <pc:chgData name="Sebastian Vallejo Vera" userId="661f42ee-5565-49c4-8b1d-325f2d699b91" providerId="ADAL" clId="{2429029B-42DE-8F48-8FB5-B5D0E01441CC}" dt="2026-01-12T17:20:49.211" v="116" actId="478"/>
+        <pc:sldMkLst>
+          <pc:docMk/>
+          <pc:sldMk cId="4049513003" sldId="292"/>
+        </pc:sldMkLst>
+        <pc:spChg chg="mod">
+          <ac:chgData name="Sebastian Vallejo Vera" userId="661f42ee-5565-49c4-8b1d-325f2d699b91" providerId="ADAL" clId="{2429029B-42DE-8F48-8FB5-B5D0E01441CC}" dt="2026-01-12T17:15:16.657" v="95" actId="5793"/>
+          <ac:spMkLst>
+            <pc:docMk/>
+            <pc:sldMk cId="4049513003" sldId="292"/>
+            <ac:spMk id="3" creationId="{A0F81B67-9C39-E3DB-1FEF-606DFF0F30B5}"/>
+          </ac:spMkLst>
+        </pc:spChg>
+        <pc:picChg chg="add del mod">
+          <ac:chgData name="Sebastian Vallejo Vera" userId="661f42ee-5565-49c4-8b1d-325f2d699b91" providerId="ADAL" clId="{2429029B-42DE-8F48-8FB5-B5D0E01441CC}" dt="2026-01-12T17:20:49.211" v="116" actId="478"/>
+          <ac:picMkLst>
+            <pc:docMk/>
+            <pc:sldMk cId="4049513003" sldId="292"/>
+            <ac:picMk id="4" creationId="{8371FE64-DC5D-46C1-CA54-6296D042E448}"/>
+          </ac:picMkLst>
+        </pc:picChg>
+        <pc:picChg chg="add">
+          <ac:chgData name="Sebastian Vallejo Vera" userId="661f42ee-5565-49c4-8b1d-325f2d699b91" providerId="ADAL" clId="{2429029B-42DE-8F48-8FB5-B5D0E01441CC}" dt="2026-01-12T17:20:28.448" v="109"/>
+          <ac:picMkLst>
+            <pc:docMk/>
+            <pc:sldMk cId="4049513003" sldId="292"/>
+            <ac:picMk id="5" creationId="{B89B584E-8807-85EE-AAAF-E893A7588927}"/>
+          </ac:picMkLst>
+        </pc:picChg>
+        <pc:picChg chg="add mod">
+          <ac:chgData name="Sebastian Vallejo Vera" userId="661f42ee-5565-49c4-8b1d-325f2d699b91" providerId="ADAL" clId="{2429029B-42DE-8F48-8FB5-B5D0E01441CC}" dt="2026-01-12T17:20:48.082" v="115" actId="14100"/>
+          <ac:picMkLst>
+            <pc:docMk/>
+            <pc:sldMk cId="4049513003" sldId="292"/>
+            <ac:picMk id="6" creationId="{5D58FA9B-9954-C68F-EB9E-7CD4C8099498}"/>
+          </ac:picMkLst>
+        </pc:picChg>
+      </pc:sldChg>
+      <pc:sldChg chg="addSp delSp modSp mod">
+        <pc:chgData name="Sebastian Vallejo Vera" userId="661f42ee-5565-49c4-8b1d-325f2d699b91" providerId="ADAL" clId="{2429029B-42DE-8F48-8FB5-B5D0E01441CC}" dt="2026-01-12T17:21:00.844" v="122" actId="1076"/>
+        <pc:sldMkLst>
+          <pc:docMk/>
+          <pc:sldMk cId="700881489" sldId="294"/>
+        </pc:sldMkLst>
+        <pc:spChg chg="mod">
+          <ac:chgData name="Sebastian Vallejo Vera" userId="661f42ee-5565-49c4-8b1d-325f2d699b91" providerId="ADAL" clId="{2429029B-42DE-8F48-8FB5-B5D0E01441CC}" dt="2026-01-12T17:17:50.856" v="104" actId="5793"/>
+          <ac:spMkLst>
+            <pc:docMk/>
+            <pc:sldMk cId="700881489" sldId="294"/>
+            <ac:spMk id="3" creationId="{42240197-82B5-C339-1C03-D27E8D33DBA3}"/>
+          </ac:spMkLst>
+        </pc:spChg>
+        <pc:picChg chg="add del mod">
+          <ac:chgData name="Sebastian Vallejo Vera" userId="661f42ee-5565-49c4-8b1d-325f2d699b91" providerId="ADAL" clId="{2429029B-42DE-8F48-8FB5-B5D0E01441CC}" dt="2026-01-12T17:20:54.368" v="118" actId="478"/>
+          <ac:picMkLst>
+            <pc:docMk/>
+            <pc:sldMk cId="700881489" sldId="294"/>
+            <ac:picMk id="4" creationId="{C1AE3769-31BC-4617-28B0-C6A558EF58C6}"/>
+          </ac:picMkLst>
+        </pc:picChg>
+        <pc:picChg chg="add">
+          <ac:chgData name="Sebastian Vallejo Vera" userId="661f42ee-5565-49c4-8b1d-325f2d699b91" providerId="ADAL" clId="{2429029B-42DE-8F48-8FB5-B5D0E01441CC}" dt="2026-01-12T17:20:52.581" v="117"/>
+          <ac:picMkLst>
+            <pc:docMk/>
+            <pc:sldMk cId="700881489" sldId="294"/>
+            <ac:picMk id="5" creationId="{A12EA06F-3CB1-84C3-8881-D28B355981A6}"/>
+          </ac:picMkLst>
+        </pc:picChg>
+        <pc:picChg chg="add mod">
+          <ac:chgData name="Sebastian Vallejo Vera" userId="661f42ee-5565-49c4-8b1d-325f2d699b91" providerId="ADAL" clId="{2429029B-42DE-8F48-8FB5-B5D0E01441CC}" dt="2026-01-12T17:21:00.844" v="122" actId="1076"/>
+          <ac:picMkLst>
+            <pc:docMk/>
+            <pc:sldMk cId="700881489" sldId="294"/>
+            <ac:picMk id="6" creationId="{F374B71B-8279-4A23-1494-2A7B7B14409C}"/>
+          </ac:picMkLst>
+        </pc:picChg>
+      </pc:sldChg>
+      <pc:sldChg chg="addSp modSp mod">
+        <pc:chgData name="Sebastian Vallejo Vera" userId="661f42ee-5565-49c4-8b1d-325f2d699b91" providerId="ADAL" clId="{2429029B-42DE-8F48-8FB5-B5D0E01441CC}" dt="2026-01-12T17:21:47.644" v="130" actId="1076"/>
+        <pc:sldMkLst>
+          <pc:docMk/>
+          <pc:sldMk cId="2543339323" sldId="295"/>
+        </pc:sldMkLst>
+        <pc:spChg chg="mod">
+          <ac:chgData name="Sebastian Vallejo Vera" userId="661f42ee-5565-49c4-8b1d-325f2d699b91" providerId="ADAL" clId="{2429029B-42DE-8F48-8FB5-B5D0E01441CC}" dt="2026-01-12T17:21:11.938" v="126" actId="5793"/>
+          <ac:spMkLst>
+            <pc:docMk/>
+            <pc:sldMk cId="2543339323" sldId="295"/>
+            <ac:spMk id="3" creationId="{0B1B1489-4069-689A-5E31-994FCF736796}"/>
+          </ac:spMkLst>
+        </pc:spChg>
+        <pc:picChg chg="add mod">
+          <ac:chgData name="Sebastian Vallejo Vera" userId="661f42ee-5565-49c4-8b1d-325f2d699b91" providerId="ADAL" clId="{2429029B-42DE-8F48-8FB5-B5D0E01441CC}" dt="2026-01-12T17:21:47.644" v="130" actId="1076"/>
+          <ac:picMkLst>
+            <pc:docMk/>
+            <pc:sldMk cId="2543339323" sldId="295"/>
+            <ac:picMk id="4" creationId="{8A3CF1A5-91AC-D564-0375-58F6779C1DDC}"/>
+          </ac:picMkLst>
+        </pc:picChg>
+      </pc:sldChg>
+      <pc:sldChg chg="modSp mod">
+        <pc:chgData name="Sebastian Vallejo Vera" userId="661f42ee-5565-49c4-8b1d-325f2d699b91" providerId="ADAL" clId="{2429029B-42DE-8F48-8FB5-B5D0E01441CC}" dt="2026-01-12T17:21:59.401" v="133" actId="313"/>
+        <pc:sldMkLst>
+          <pc:docMk/>
+          <pc:sldMk cId="3500565542" sldId="296"/>
+        </pc:sldMkLst>
+        <pc:spChg chg="mod">
+          <ac:chgData name="Sebastian Vallejo Vera" userId="661f42ee-5565-49c4-8b1d-325f2d699b91" providerId="ADAL" clId="{2429029B-42DE-8F48-8FB5-B5D0E01441CC}" dt="2026-01-12T17:21:59.401" v="133" actId="313"/>
+          <ac:spMkLst>
+            <pc:docMk/>
+            <pc:sldMk cId="3500565542" sldId="296"/>
+            <ac:spMk id="3" creationId="{BE327A58-FD31-8495-3218-1F4EDA042A77}"/>
+          </ac:spMkLst>
+        </pc:spChg>
+      </pc:sldChg>
+      <pc:sldChg chg="modSp mod">
+        <pc:chgData name="Sebastian Vallejo Vera" userId="661f42ee-5565-49c4-8b1d-325f2d699b91" providerId="ADAL" clId="{2429029B-42DE-8F48-8FB5-B5D0E01441CC}" dt="2026-01-12T17:27:59.503" v="462" actId="20577"/>
+        <pc:sldMkLst>
+          <pc:docMk/>
+          <pc:sldMk cId="642915330" sldId="298"/>
+        </pc:sldMkLst>
+        <pc:spChg chg="mod">
+          <ac:chgData name="Sebastian Vallejo Vera" userId="661f42ee-5565-49c4-8b1d-325f2d699b91" providerId="ADAL" clId="{2429029B-42DE-8F48-8FB5-B5D0E01441CC}" dt="2026-01-12T17:25:47.395" v="396" actId="20577"/>
+          <ac:spMkLst>
+            <pc:docMk/>
+            <pc:sldMk cId="642915330" sldId="298"/>
+            <ac:spMk id="3" creationId="{576E260E-A04B-9689-5CE2-B9920CD9D5F5}"/>
+          </ac:spMkLst>
+        </pc:spChg>
+        <pc:graphicFrameChg chg="mod modGraphic">
+          <ac:chgData name="Sebastian Vallejo Vera" userId="661f42ee-5565-49c4-8b1d-325f2d699b91" providerId="ADAL" clId="{2429029B-42DE-8F48-8FB5-B5D0E01441CC}" dt="2026-01-12T17:27:59.503" v="462" actId="20577"/>
+          <ac:graphicFrameMkLst>
+            <pc:docMk/>
+            <pc:sldMk cId="642915330" sldId="298"/>
+            <ac:graphicFrameMk id="4" creationId="{85997064-DB3A-89E9-9CA3-9609D35C2E64}"/>
+          </ac:graphicFrameMkLst>
+        </pc:graphicFrameChg>
+      </pc:sldChg>
+      <pc:sldChg chg="modNotesTx">
+        <pc:chgData name="Sebastian Vallejo Vera" userId="661f42ee-5565-49c4-8b1d-325f2d699b91" providerId="ADAL" clId="{2429029B-42DE-8F48-8FB5-B5D0E01441CC}" dt="2026-01-12T17:43:21.013" v="912" actId="20577"/>
+        <pc:sldMkLst>
+          <pc:docMk/>
+          <pc:sldMk cId="3437037828" sldId="299"/>
+        </pc:sldMkLst>
+      </pc:sldChg>
+      <pc:sldChg chg="modNotesTx">
+        <pc:chgData name="Sebastian Vallejo Vera" userId="661f42ee-5565-49c4-8b1d-325f2d699b91" providerId="ADAL" clId="{2429029B-42DE-8F48-8FB5-B5D0E01441CC}" dt="2026-01-12T17:43:49.504" v="1010" actId="20577"/>
+        <pc:sldMkLst>
+          <pc:docMk/>
+          <pc:sldMk cId="1583628402" sldId="307"/>
+        </pc:sldMkLst>
+      </pc:sldChg>
+      <pc:sldChg chg="add del">
+        <pc:chgData name="Sebastian Vallejo Vera" userId="661f42ee-5565-49c4-8b1d-325f2d699b91" providerId="ADAL" clId="{2429029B-42DE-8F48-8FB5-B5D0E01441CC}" dt="2026-01-12T17:44:17.850" v="1013"/>
+        <pc:sldMkLst>
+          <pc:docMk/>
+          <pc:sldMk cId="1362689455" sldId="308"/>
+        </pc:sldMkLst>
+      </pc:sldChg>
+      <pc:sldChg chg="modSp del mod">
+        <pc:chgData name="Sebastian Vallejo Vera" userId="661f42ee-5565-49c4-8b1d-325f2d699b91" providerId="ADAL" clId="{2429029B-42DE-8F48-8FB5-B5D0E01441CC}" dt="2026-01-12T17:43:53.626" v="1011" actId="2696"/>
+        <pc:sldMkLst>
+          <pc:docMk/>
+          <pc:sldMk cId="1652413843" sldId="308"/>
+        </pc:sldMkLst>
+        <pc:spChg chg="mod">
+          <ac:chgData name="Sebastian Vallejo Vera" userId="661f42ee-5565-49c4-8b1d-325f2d699b91" providerId="ADAL" clId="{2429029B-42DE-8F48-8FB5-B5D0E01441CC}" dt="2026-01-12T16:49:57.191" v="0" actId="20577"/>
+          <ac:spMkLst>
+            <pc:docMk/>
+            <pc:sldMk cId="1652413843" sldId="308"/>
+            <ac:spMk id="3" creationId="{59380D1F-C5B6-0720-769C-AF9333D0EA62}"/>
+          </ac:spMkLst>
+        </pc:spChg>
+      </pc:sldChg>
+      <pc:sldChg chg="add modNotesTx">
+        <pc:chgData name="Sebastian Vallejo Vera" userId="661f42ee-5565-49c4-8b1d-325f2d699b91" providerId="ADAL" clId="{2429029B-42DE-8F48-8FB5-B5D0E01441CC}" dt="2026-01-12T17:52:11.424" v="1070" actId="20577"/>
+        <pc:sldMkLst>
+          <pc:docMk/>
+          <pc:sldMk cId="3956272448" sldId="308"/>
+        </pc:sldMkLst>
+      </pc:sldChg>
+      <pc:sldChg chg="modSp new del mod">
+        <pc:chgData name="Sebastian Vallejo Vera" userId="661f42ee-5565-49c4-8b1d-325f2d699b91" providerId="ADAL" clId="{2429029B-42DE-8F48-8FB5-B5D0E01441CC}" dt="2026-01-12T17:41:49.914" v="704" actId="2696"/>
+        <pc:sldMkLst>
+          <pc:docMk/>
+          <pc:sldMk cId="833419850" sldId="309"/>
+        </pc:sldMkLst>
+        <pc:spChg chg="mod">
+          <ac:chgData name="Sebastian Vallejo Vera" userId="661f42ee-5565-49c4-8b1d-325f2d699b91" providerId="ADAL" clId="{2429029B-42DE-8F48-8FB5-B5D0E01441CC}" dt="2026-01-12T17:41:40.576" v="703" actId="20577"/>
+          <ac:spMkLst>
+            <pc:docMk/>
+            <pc:sldMk cId="833419850" sldId="309"/>
+            <ac:spMk id="3" creationId="{E1D3BF08-4926-D03C-AF1E-2664D49535EB}"/>
           </ac:spMkLst>
         </pc:spChg>
       </pc:sldChg>
@@ -1458,6 +1721,629 @@
 </inkml:ink>
 </file>
 
+<file path=ppt/notesMasters/notesMaster1.xml><?xml version="1.0" encoding="utf-8"?>
+<p:notesMaster xmlns:a="http://schemas.openxmlformats.org/drawingml/2006/main" xmlns:r="http://schemas.openxmlformats.org/officeDocument/2006/relationships" xmlns:p="http://schemas.openxmlformats.org/presentationml/2006/main">
+  <p:cSld>
+    <p:bg>
+      <p:bgRef idx="1001">
+        <a:schemeClr val="bg1"/>
+      </p:bgRef>
+    </p:bg>
+    <p:spTree>
+      <p:nvGrpSpPr>
+        <p:cNvPr id="1" name=""/>
+        <p:cNvGrpSpPr/>
+        <p:nvPr/>
+      </p:nvGrpSpPr>
+      <p:grpSpPr>
+        <a:xfrm>
+          <a:off x="0" y="0"/>
+          <a:ext cx="0" cy="0"/>
+          <a:chOff x="0" y="0"/>
+          <a:chExt cx="0" cy="0"/>
+        </a:xfrm>
+      </p:grpSpPr>
+      <p:sp>
+        <p:nvSpPr>
+          <p:cNvPr id="2" name="Header Placeholder 1"/>
+          <p:cNvSpPr>
+            <a:spLocks noGrp="1"/>
+          </p:cNvSpPr>
+          <p:nvPr>
+            <p:ph type="hdr" sz="quarter"/>
+          </p:nvPr>
+        </p:nvSpPr>
+        <p:spPr>
+          <a:xfrm>
+            <a:off x="0" y="0"/>
+            <a:ext cx="2971800" cy="458788"/>
+          </a:xfrm>
+          <a:prstGeom prst="rect">
+            <a:avLst/>
+          </a:prstGeom>
+        </p:spPr>
+        <p:txBody>
+          <a:bodyPr vert="horz" lIns="91440" tIns="45720" rIns="91440" bIns="45720" rtlCol="0"/>
+          <a:lstStyle>
+            <a:lvl1pPr algn="l">
+              <a:defRPr sz="1200"/>
+            </a:lvl1pPr>
+          </a:lstStyle>
+          <a:p>
+            <a:endParaRPr lang="en-US"/>
+          </a:p>
+        </p:txBody>
+      </p:sp>
+      <p:sp>
+        <p:nvSpPr>
+          <p:cNvPr id="3" name="Date Placeholder 2"/>
+          <p:cNvSpPr>
+            <a:spLocks noGrp="1"/>
+          </p:cNvSpPr>
+          <p:nvPr>
+            <p:ph type="dt" idx="1"/>
+          </p:nvPr>
+        </p:nvSpPr>
+        <p:spPr>
+          <a:xfrm>
+            <a:off x="3884613" y="0"/>
+            <a:ext cx="2971800" cy="458788"/>
+          </a:xfrm>
+          <a:prstGeom prst="rect">
+            <a:avLst/>
+          </a:prstGeom>
+        </p:spPr>
+        <p:txBody>
+          <a:bodyPr vert="horz" lIns="91440" tIns="45720" rIns="91440" bIns="45720" rtlCol="0"/>
+          <a:lstStyle>
+            <a:lvl1pPr algn="r">
+              <a:defRPr sz="1200"/>
+            </a:lvl1pPr>
+          </a:lstStyle>
+          <a:p>
+            <a:fld id="{B93CD760-370C-6A42-B211-61D065D7DAB2}" type="datetimeFigureOut">
+              <a:rPr lang="en-US" smtClean="0"/>
+              <a:t>1/12/26</a:t>
+            </a:fld>
+            <a:endParaRPr lang="en-US"/>
+          </a:p>
+        </p:txBody>
+      </p:sp>
+      <p:sp>
+        <p:nvSpPr>
+          <p:cNvPr id="4" name="Slide Image Placeholder 3"/>
+          <p:cNvSpPr>
+            <a:spLocks noGrp="1" noRot="1" noChangeAspect="1"/>
+          </p:cNvSpPr>
+          <p:nvPr>
+            <p:ph type="sldImg" idx="2"/>
+          </p:nvPr>
+        </p:nvSpPr>
+        <p:spPr>
+          <a:xfrm>
+            <a:off x="685800" y="1143000"/>
+            <a:ext cx="5486400" cy="3086100"/>
+          </a:xfrm>
+          <a:prstGeom prst="rect">
+            <a:avLst/>
+          </a:prstGeom>
+          <a:noFill/>
+          <a:ln w="12700">
+            <a:solidFill>
+              <a:prstClr val="black"/>
+            </a:solidFill>
+          </a:ln>
+        </p:spPr>
+        <p:txBody>
+          <a:bodyPr vert="horz" lIns="91440" tIns="45720" rIns="91440" bIns="45720" rtlCol="0" anchor="ctr"/>
+          <a:lstStyle/>
+          <a:p>
+            <a:endParaRPr lang="en-US"/>
+          </a:p>
+        </p:txBody>
+      </p:sp>
+      <p:sp>
+        <p:nvSpPr>
+          <p:cNvPr id="5" name="Notes Placeholder 4"/>
+          <p:cNvSpPr>
+            <a:spLocks noGrp="1"/>
+          </p:cNvSpPr>
+          <p:nvPr>
+            <p:ph type="body" sz="quarter" idx="3"/>
+          </p:nvPr>
+        </p:nvSpPr>
+        <p:spPr>
+          <a:xfrm>
+            <a:off x="685800" y="4400550"/>
+            <a:ext cx="5486400" cy="3600450"/>
+          </a:xfrm>
+          <a:prstGeom prst="rect">
+            <a:avLst/>
+          </a:prstGeom>
+        </p:spPr>
+        <p:txBody>
+          <a:bodyPr vert="horz" lIns="91440" tIns="45720" rIns="91440" bIns="45720" rtlCol="0"/>
+          <a:lstStyle/>
+          <a:p>
+            <a:pPr lvl="0"/>
+            <a:r>
+              <a:rPr lang="en-US"/>
+              <a:t>Click to edit Master text styles</a:t>
+            </a:r>
+          </a:p>
+          <a:p>
+            <a:pPr lvl="1"/>
+            <a:r>
+              <a:rPr lang="en-US"/>
+              <a:t>Second level</a:t>
+            </a:r>
+          </a:p>
+          <a:p>
+            <a:pPr lvl="2"/>
+            <a:r>
+              <a:rPr lang="en-US"/>
+              <a:t>Third level</a:t>
+            </a:r>
+          </a:p>
+          <a:p>
+            <a:pPr lvl="3"/>
+            <a:r>
+              <a:rPr lang="en-US"/>
+              <a:t>Fourth level</a:t>
+            </a:r>
+          </a:p>
+          <a:p>
+            <a:pPr lvl="4"/>
+            <a:r>
+              <a:rPr lang="en-US"/>
+              <a:t>Fifth level</a:t>
+            </a:r>
+          </a:p>
+        </p:txBody>
+      </p:sp>
+      <p:sp>
+        <p:nvSpPr>
+          <p:cNvPr id="6" name="Footer Placeholder 5"/>
+          <p:cNvSpPr>
+            <a:spLocks noGrp="1"/>
+          </p:cNvSpPr>
+          <p:nvPr>
+            <p:ph type="ftr" sz="quarter" idx="4"/>
+          </p:nvPr>
+        </p:nvSpPr>
+        <p:spPr>
+          <a:xfrm>
+            <a:off x="0" y="8685213"/>
+            <a:ext cx="2971800" cy="458787"/>
+          </a:xfrm>
+          <a:prstGeom prst="rect">
+            <a:avLst/>
+          </a:prstGeom>
+        </p:spPr>
+        <p:txBody>
+          <a:bodyPr vert="horz" lIns="91440" tIns="45720" rIns="91440" bIns="45720" rtlCol="0" anchor="b"/>
+          <a:lstStyle>
+            <a:lvl1pPr algn="l">
+              <a:defRPr sz="1200"/>
+            </a:lvl1pPr>
+          </a:lstStyle>
+          <a:p>
+            <a:endParaRPr lang="en-US"/>
+          </a:p>
+        </p:txBody>
+      </p:sp>
+      <p:sp>
+        <p:nvSpPr>
+          <p:cNvPr id="7" name="Slide Number Placeholder 6"/>
+          <p:cNvSpPr>
+            <a:spLocks noGrp="1"/>
+          </p:cNvSpPr>
+          <p:nvPr>
+            <p:ph type="sldNum" sz="quarter" idx="5"/>
+          </p:nvPr>
+        </p:nvSpPr>
+        <p:spPr>
+          <a:xfrm>
+            <a:off x="3884613" y="8685213"/>
+            <a:ext cx="2971800" cy="458787"/>
+          </a:xfrm>
+          <a:prstGeom prst="rect">
+            <a:avLst/>
+          </a:prstGeom>
+        </p:spPr>
+        <p:txBody>
+          <a:bodyPr vert="horz" lIns="91440" tIns="45720" rIns="91440" bIns="45720" rtlCol="0" anchor="b"/>
+          <a:lstStyle>
+            <a:lvl1pPr algn="r">
+              <a:defRPr sz="1200"/>
+            </a:lvl1pPr>
+          </a:lstStyle>
+          <a:p>
+            <a:fld id="{9692D32B-E25F-3142-886F-A27CE7B489E4}" type="slidenum">
+              <a:rPr lang="en-US" smtClean="0"/>
+              <a:t>‹#›</a:t>
+            </a:fld>
+            <a:endParaRPr lang="en-US"/>
+          </a:p>
+        </p:txBody>
+      </p:sp>
+    </p:spTree>
+    <p:extLst>
+      <p:ext uri="{BB962C8B-B14F-4D97-AF65-F5344CB8AC3E}">
+        <p14:creationId xmlns:p14="http://schemas.microsoft.com/office/powerpoint/2010/main" val="191505876"/>
+      </p:ext>
+    </p:extLst>
+  </p:cSld>
+  <p:clrMap bg1="lt1" tx1="dk1" bg2="lt2" tx2="dk2" accent1="accent1" accent2="accent2" accent3="accent3" accent4="accent4" accent5="accent5" accent6="accent6" hlink="hlink" folHlink="folHlink"/>
+  <p:notesStyle>
+    <a:lvl1pPr marL="0" algn="l" defTabSz="914400" rtl="0" eaLnBrk="1" latinLnBrk="0" hangingPunct="1">
+      <a:defRPr sz="1200" kern="1200">
+        <a:solidFill>
+          <a:schemeClr val="tx1"/>
+        </a:solidFill>
+        <a:latin typeface="+mn-lt"/>
+        <a:ea typeface="+mn-ea"/>
+        <a:cs typeface="+mn-cs"/>
+      </a:defRPr>
+    </a:lvl1pPr>
+    <a:lvl2pPr marL="457200" algn="l" defTabSz="914400" rtl="0" eaLnBrk="1" latinLnBrk="0" hangingPunct="1">
+      <a:defRPr sz="1200" kern="1200">
+        <a:solidFill>
+          <a:schemeClr val="tx1"/>
+        </a:solidFill>
+        <a:latin typeface="+mn-lt"/>
+        <a:ea typeface="+mn-ea"/>
+        <a:cs typeface="+mn-cs"/>
+      </a:defRPr>
+    </a:lvl2pPr>
+    <a:lvl3pPr marL="914400" algn="l" defTabSz="914400" rtl="0" eaLnBrk="1" latinLnBrk="0" hangingPunct="1">
+      <a:defRPr sz="1200" kern="1200">
+        <a:solidFill>
+          <a:schemeClr val="tx1"/>
+        </a:solidFill>
+        <a:latin typeface="+mn-lt"/>
+        <a:ea typeface="+mn-ea"/>
+        <a:cs typeface="+mn-cs"/>
+      </a:defRPr>
+    </a:lvl3pPr>
+    <a:lvl4pPr marL="1371600" algn="l" defTabSz="914400" rtl="0" eaLnBrk="1" latinLnBrk="0" hangingPunct="1">
+      <a:defRPr sz="1200" kern="1200">
+        <a:solidFill>
+          <a:schemeClr val="tx1"/>
+        </a:solidFill>
+        <a:latin typeface="+mn-lt"/>
+        <a:ea typeface="+mn-ea"/>
+        <a:cs typeface="+mn-cs"/>
+      </a:defRPr>
+    </a:lvl4pPr>
+    <a:lvl5pPr marL="1828800" algn="l" defTabSz="914400" rtl="0" eaLnBrk="1" latinLnBrk="0" hangingPunct="1">
+      <a:defRPr sz="1200" kern="1200">
+        <a:solidFill>
+          <a:schemeClr val="tx1"/>
+        </a:solidFill>
+        <a:latin typeface="+mn-lt"/>
+        <a:ea typeface="+mn-ea"/>
+        <a:cs typeface="+mn-cs"/>
+      </a:defRPr>
+    </a:lvl5pPr>
+    <a:lvl6pPr marL="2286000" algn="l" defTabSz="914400" rtl="0" eaLnBrk="1" latinLnBrk="0" hangingPunct="1">
+      <a:defRPr sz="1200" kern="1200">
+        <a:solidFill>
+          <a:schemeClr val="tx1"/>
+        </a:solidFill>
+        <a:latin typeface="+mn-lt"/>
+        <a:ea typeface="+mn-ea"/>
+        <a:cs typeface="+mn-cs"/>
+      </a:defRPr>
+    </a:lvl6pPr>
+    <a:lvl7pPr marL="2743200" algn="l" defTabSz="914400" rtl="0" eaLnBrk="1" latinLnBrk="0" hangingPunct="1">
+      <a:defRPr sz="1200" kern="1200">
+        <a:solidFill>
+          <a:schemeClr val="tx1"/>
+        </a:solidFill>
+        <a:latin typeface="+mn-lt"/>
+        <a:ea typeface="+mn-ea"/>
+        <a:cs typeface="+mn-cs"/>
+      </a:defRPr>
+    </a:lvl7pPr>
+    <a:lvl8pPr marL="3200400" algn="l" defTabSz="914400" rtl="0" eaLnBrk="1" latinLnBrk="0" hangingPunct="1">
+      <a:defRPr sz="1200" kern="1200">
+        <a:solidFill>
+          <a:schemeClr val="tx1"/>
+        </a:solidFill>
+        <a:latin typeface="+mn-lt"/>
+        <a:ea typeface="+mn-ea"/>
+        <a:cs typeface="+mn-cs"/>
+      </a:defRPr>
+    </a:lvl8pPr>
+    <a:lvl9pPr marL="3657600" algn="l" defTabSz="914400" rtl="0" eaLnBrk="1" latinLnBrk="0" hangingPunct="1">
+      <a:defRPr sz="1200" kern="1200">
+        <a:solidFill>
+          <a:schemeClr val="tx1"/>
+        </a:solidFill>
+        <a:latin typeface="+mn-lt"/>
+        <a:ea typeface="+mn-ea"/>
+        <a:cs typeface="+mn-cs"/>
+      </a:defRPr>
+    </a:lvl9pPr>
+  </p:notesStyle>
+</p:notesMaster>
+</file>
+
+<file path=ppt/notesSlides/notesSlide1.xml><?xml version="1.0" encoding="utf-8"?>
+<p:notes xmlns:a="http://schemas.openxmlformats.org/drawingml/2006/main" xmlns:r="http://schemas.openxmlformats.org/officeDocument/2006/relationships" xmlns:p="http://schemas.openxmlformats.org/presentationml/2006/main">
+  <p:cSld>
+    <p:spTree>
+      <p:nvGrpSpPr>
+        <p:cNvPr id="1" name=""/>
+        <p:cNvGrpSpPr/>
+        <p:nvPr/>
+      </p:nvGrpSpPr>
+      <p:grpSpPr>
+        <a:xfrm>
+          <a:off x="0" y="0"/>
+          <a:ext cx="0" cy="0"/>
+          <a:chOff x="0" y="0"/>
+          <a:chExt cx="0" cy="0"/>
+        </a:xfrm>
+      </p:grpSpPr>
+      <p:sp>
+        <p:nvSpPr>
+          <p:cNvPr id="2" name="Slide Image Placeholder 1"/>
+          <p:cNvSpPr>
+            <a:spLocks noGrp="1" noRot="1" noChangeAspect="1"/>
+          </p:cNvSpPr>
+          <p:nvPr>
+            <p:ph type="sldImg"/>
+          </p:nvPr>
+        </p:nvSpPr>
+        <p:spPr/>
+      </p:sp>
+      <p:sp>
+        <p:nvSpPr>
+          <p:cNvPr id="3" name="Notes Placeholder 2"/>
+          <p:cNvSpPr>
+            <a:spLocks noGrp="1"/>
+          </p:cNvSpPr>
+          <p:nvPr>
+            <p:ph type="body" idx="1"/>
+          </p:nvPr>
+        </p:nvSpPr>
+        <p:spPr/>
+        <p:txBody>
+          <a:bodyPr/>
+          <a:lstStyle/>
+          <a:p>
+            <a:r>
+              <a:rPr lang="en-US" dirty="0"/>
+              <a:t>Make a note to the class on the computational aspect of reducing noise / complexity, and the difference from the interpretation aspect of reduced complexity. </a:t>
+            </a:r>
+          </a:p>
+        </p:txBody>
+      </p:sp>
+      <p:sp>
+        <p:nvSpPr>
+          <p:cNvPr id="4" name="Slide Number Placeholder 3"/>
+          <p:cNvSpPr>
+            <a:spLocks noGrp="1"/>
+          </p:cNvSpPr>
+          <p:nvPr>
+            <p:ph type="sldNum" sz="quarter" idx="5"/>
+          </p:nvPr>
+        </p:nvSpPr>
+        <p:spPr/>
+        <p:txBody>
+          <a:bodyPr/>
+          <a:lstStyle/>
+          <a:p>
+            <a:fld id="{9692D32B-E25F-3142-886F-A27CE7B489E4}" type="slidenum">
+              <a:rPr lang="en-US" smtClean="0"/>
+              <a:t>21</a:t>
+            </a:fld>
+            <a:endParaRPr lang="en-US"/>
+          </a:p>
+        </p:txBody>
+      </p:sp>
+    </p:spTree>
+    <p:extLst>
+      <p:ext uri="{BB962C8B-B14F-4D97-AF65-F5344CB8AC3E}">
+        <p14:creationId xmlns:p14="http://schemas.microsoft.com/office/powerpoint/2010/main" val="1316626510"/>
+      </p:ext>
+    </p:extLst>
+  </p:cSld>
+  <p:clrMapOvr>
+    <a:masterClrMapping/>
+  </p:clrMapOvr>
+</p:notes>
+</file>
+
+<file path=ppt/notesSlides/notesSlide2.xml><?xml version="1.0" encoding="utf-8"?>
+<p:notes xmlns:a="http://schemas.openxmlformats.org/drawingml/2006/main" xmlns:r="http://schemas.openxmlformats.org/officeDocument/2006/relationships" xmlns:p="http://schemas.openxmlformats.org/presentationml/2006/main">
+  <p:cSld>
+    <p:spTree>
+      <p:nvGrpSpPr>
+        <p:cNvPr id="1" name=""/>
+        <p:cNvGrpSpPr/>
+        <p:nvPr/>
+      </p:nvGrpSpPr>
+      <p:grpSpPr>
+        <a:xfrm>
+          <a:off x="0" y="0"/>
+          <a:ext cx="0" cy="0"/>
+          <a:chOff x="0" y="0"/>
+          <a:chExt cx="0" cy="0"/>
+        </a:xfrm>
+      </p:grpSpPr>
+      <p:sp>
+        <p:nvSpPr>
+          <p:cNvPr id="2" name="Slide Image Placeholder 1"/>
+          <p:cNvSpPr>
+            <a:spLocks noGrp="1" noRot="1" noChangeAspect="1"/>
+          </p:cNvSpPr>
+          <p:nvPr>
+            <p:ph type="sldImg"/>
+          </p:nvPr>
+        </p:nvSpPr>
+        <p:spPr/>
+      </p:sp>
+      <p:sp>
+        <p:nvSpPr>
+          <p:cNvPr id="3" name="Notes Placeholder 2"/>
+          <p:cNvSpPr>
+            <a:spLocks noGrp="1"/>
+          </p:cNvSpPr>
+          <p:nvPr>
+            <p:ph type="body" idx="1"/>
+          </p:nvPr>
+        </p:nvSpPr>
+        <p:spPr/>
+        <p:txBody>
+          <a:bodyPr/>
+          <a:lstStyle/>
+          <a:p>
+            <a:r>
+              <a:rPr lang="en-US" dirty="0"/>
+              <a:t>Ban et al.: the underlying assumption is that frequency equates power. </a:t>
+            </a:r>
+          </a:p>
+          <a:p>
+            <a:r>
+              <a:rPr lang="en-US" dirty="0"/>
+              <a:t>Michel et al.: think about the population and the issues covered in the selected sample. </a:t>
+            </a:r>
+          </a:p>
+          <a:p>
+            <a:endParaRPr lang="en-US" dirty="0"/>
+          </a:p>
+        </p:txBody>
+      </p:sp>
+      <p:sp>
+        <p:nvSpPr>
+          <p:cNvPr id="4" name="Slide Number Placeholder 3"/>
+          <p:cNvSpPr>
+            <a:spLocks noGrp="1"/>
+          </p:cNvSpPr>
+          <p:nvPr>
+            <p:ph type="sldNum" sz="quarter" idx="5"/>
+          </p:nvPr>
+        </p:nvSpPr>
+        <p:spPr/>
+        <p:txBody>
+          <a:bodyPr/>
+          <a:lstStyle/>
+          <a:p>
+            <a:fld id="{9692D32B-E25F-3142-886F-A27CE7B489E4}" type="slidenum">
+              <a:rPr lang="en-US" smtClean="0"/>
+              <a:t>29</a:t>
+            </a:fld>
+            <a:endParaRPr lang="en-US"/>
+          </a:p>
+        </p:txBody>
+      </p:sp>
+    </p:spTree>
+    <p:extLst>
+      <p:ext uri="{BB962C8B-B14F-4D97-AF65-F5344CB8AC3E}">
+        <p14:creationId xmlns:p14="http://schemas.microsoft.com/office/powerpoint/2010/main" val="3764622242"/>
+      </p:ext>
+    </p:extLst>
+  </p:cSld>
+  <p:clrMapOvr>
+    <a:masterClrMapping/>
+  </p:clrMapOvr>
+</p:notes>
+</file>
+
+<file path=ppt/notesSlides/notesSlide3.xml><?xml version="1.0" encoding="utf-8"?>
+<p:notes xmlns:a="http://schemas.openxmlformats.org/drawingml/2006/main" xmlns:r="http://schemas.openxmlformats.org/officeDocument/2006/relationships" xmlns:p="http://schemas.openxmlformats.org/presentationml/2006/main">
+  <p:cSld>
+    <p:spTree>
+      <p:nvGrpSpPr>
+        <p:cNvPr id="1" name=""/>
+        <p:cNvGrpSpPr/>
+        <p:nvPr/>
+      </p:nvGrpSpPr>
+      <p:grpSpPr>
+        <a:xfrm>
+          <a:off x="0" y="0"/>
+          <a:ext cx="0" cy="0"/>
+          <a:chOff x="0" y="0"/>
+          <a:chExt cx="0" cy="0"/>
+        </a:xfrm>
+      </p:grpSpPr>
+      <p:sp>
+        <p:nvSpPr>
+          <p:cNvPr id="2" name="Slide Image Placeholder 1"/>
+          <p:cNvSpPr>
+            <a:spLocks noGrp="1" noRot="1" noChangeAspect="1"/>
+          </p:cNvSpPr>
+          <p:nvPr>
+            <p:ph type="sldImg"/>
+          </p:nvPr>
+        </p:nvSpPr>
+        <p:spPr/>
+      </p:sp>
+      <p:sp>
+        <p:nvSpPr>
+          <p:cNvPr id="3" name="Notes Placeholder 2"/>
+          <p:cNvSpPr>
+            <a:spLocks noGrp="1"/>
+          </p:cNvSpPr>
+          <p:nvPr>
+            <p:ph type="body" idx="1"/>
+          </p:nvPr>
+        </p:nvSpPr>
+        <p:spPr/>
+        <p:txBody>
+          <a:bodyPr/>
+          <a:lstStyle/>
+          <a:p>
+            <a:r>
+              <a:rPr lang="en-US" dirty="0" err="1"/>
+              <a:t>Bollen</a:t>
+            </a:r>
+            <a:r>
+              <a:rPr lang="en-US" dirty="0"/>
+              <a:t> et al.: Are these results credible?</a:t>
+            </a:r>
+          </a:p>
+        </p:txBody>
+      </p:sp>
+      <p:sp>
+        <p:nvSpPr>
+          <p:cNvPr id="4" name="Slide Number Placeholder 3"/>
+          <p:cNvSpPr>
+            <a:spLocks noGrp="1"/>
+          </p:cNvSpPr>
+          <p:nvPr>
+            <p:ph type="sldNum" sz="quarter" idx="5"/>
+          </p:nvPr>
+        </p:nvSpPr>
+        <p:spPr/>
+        <p:txBody>
+          <a:bodyPr/>
+          <a:lstStyle/>
+          <a:p>
+            <a:fld id="{9692D32B-E25F-3142-886F-A27CE7B489E4}" type="slidenum">
+              <a:rPr lang="en-US" smtClean="0"/>
+              <a:t>30</a:t>
+            </a:fld>
+            <a:endParaRPr lang="en-US"/>
+          </a:p>
+        </p:txBody>
+      </p:sp>
+    </p:spTree>
+    <p:extLst>
+      <p:ext uri="{BB962C8B-B14F-4D97-AF65-F5344CB8AC3E}">
+        <p14:creationId xmlns:p14="http://schemas.microsoft.com/office/powerpoint/2010/main" val="3942298761"/>
+      </p:ext>
+    </p:extLst>
+  </p:cSld>
+  <p:clrMapOvr>
+    <a:masterClrMapping/>
+  </p:clrMapOvr>
+</p:notes>
+</file>
+
 <file path=ppt/slideLayouts/slideLayout1.xml><?xml version="1.0" encoding="utf-8"?>
 <p:sldLayout xmlns:a="http://schemas.openxmlformats.org/drawingml/2006/main" xmlns:r="http://schemas.openxmlformats.org/officeDocument/2006/relationships" xmlns:p="http://schemas.openxmlformats.org/presentationml/2006/main" showMasterSp="0" type="title" preserve="1">
   <p:cSld name="Title Slide">
@@ -2669,7 +3555,7 @@
           <a:p>
             <a:fld id="{C71BB6E3-ADBB-E34D-BA89-A382DA4703E2}" type="datetimeFigureOut">
               <a:rPr lang="en-US" smtClean="0"/>
-              <a:t>1/15/24</a:t>
+              <a:t>1/12/26</a:t>
             </a:fld>
             <a:endParaRPr lang="en-US"/>
           </a:p>
@@ -2907,7 +3793,7 @@
           <a:p>
             <a:fld id="{C71BB6E3-ADBB-E34D-BA89-A382DA4703E2}" type="datetimeFigureOut">
               <a:rPr lang="en-US" smtClean="0"/>
-              <a:t>1/15/24</a:t>
+              <a:t>1/12/26</a:t>
             </a:fld>
             <a:endParaRPr lang="en-US"/>
           </a:p>
@@ -3087,7 +3973,7 @@
           <a:p>
             <a:fld id="{C71BB6E3-ADBB-E34D-BA89-A382DA4703E2}" type="datetimeFigureOut">
               <a:rPr lang="en-US" smtClean="0"/>
-              <a:t>1/15/24</a:t>
+              <a:t>1/12/26</a:t>
             </a:fld>
             <a:endParaRPr lang="en-US"/>
           </a:p>
@@ -3257,7 +4143,7 @@
           <a:p>
             <a:fld id="{C71BB6E3-ADBB-E34D-BA89-A382DA4703E2}" type="datetimeFigureOut">
               <a:rPr lang="en-US" smtClean="0"/>
-              <a:t>1/15/24</a:t>
+              <a:t>1/12/26</a:t>
             </a:fld>
             <a:endParaRPr lang="en-US"/>
           </a:p>
@@ -3533,7 +4419,7 @@
           <a:p>
             <a:fld id="{C71BB6E3-ADBB-E34D-BA89-A382DA4703E2}" type="datetimeFigureOut">
               <a:rPr lang="en-US" smtClean="0"/>
-              <a:t>1/15/24</a:t>
+              <a:t>1/12/26</a:t>
             </a:fld>
             <a:endParaRPr lang="en-US"/>
           </a:p>
@@ -4734,7 +5620,7 @@
           <a:p>
             <a:fld id="{C71BB6E3-ADBB-E34D-BA89-A382DA4703E2}" type="datetimeFigureOut">
               <a:rPr lang="en-US" smtClean="0"/>
-              <a:t>1/15/24</a:t>
+              <a:t>1/12/26</a:t>
             </a:fld>
             <a:endParaRPr lang="en-US"/>
           </a:p>
@@ -5124,7 +6010,7 @@
           <a:p>
             <a:fld id="{C71BB6E3-ADBB-E34D-BA89-A382DA4703E2}" type="datetimeFigureOut">
               <a:rPr lang="en-US" smtClean="0"/>
-              <a:t>1/15/24</a:t>
+              <a:t>1/12/26</a:t>
             </a:fld>
             <a:endParaRPr lang="en-US"/>
           </a:p>
@@ -5247,7 +6133,7 @@
           <a:p>
             <a:fld id="{C71BB6E3-ADBB-E34D-BA89-A382DA4703E2}" type="datetimeFigureOut">
               <a:rPr lang="en-US" smtClean="0"/>
-              <a:t>1/15/24</a:t>
+              <a:t>1/12/26</a:t>
             </a:fld>
             <a:endParaRPr lang="en-US"/>
           </a:p>
@@ -5342,7 +6228,7 @@
           <a:p>
             <a:fld id="{C71BB6E3-ADBB-E34D-BA89-A382DA4703E2}" type="datetimeFigureOut">
               <a:rPr lang="en-US" smtClean="0"/>
-              <a:t>1/15/24</a:t>
+              <a:t>1/12/26</a:t>
             </a:fld>
             <a:endParaRPr lang="en-US"/>
           </a:p>
@@ -6105,7 +6991,7 @@
           <a:p>
             <a:fld id="{C71BB6E3-ADBB-E34D-BA89-A382DA4703E2}" type="datetimeFigureOut">
               <a:rPr lang="en-US" smtClean="0"/>
-              <a:t>1/15/24</a:t>
+              <a:t>1/12/26</a:t>
             </a:fld>
             <a:endParaRPr lang="en-US"/>
           </a:p>
@@ -6945,7 +7831,7 @@
           <a:p>
             <a:fld id="{C71BB6E3-ADBB-E34D-BA89-A382DA4703E2}" type="datetimeFigureOut">
               <a:rPr lang="en-US" smtClean="0"/>
-              <a:t>1/15/24</a:t>
+              <a:t>1/12/26</a:t>
             </a:fld>
             <a:endParaRPr lang="en-US"/>
           </a:p>
@@ -7172,7 +8058,7 @@
           <a:p>
             <a:fld id="{C71BB6E3-ADBB-E34D-BA89-A382DA4703E2}" type="datetimeFigureOut">
               <a:rPr lang="en-US" smtClean="0"/>
-              <a:t>1/15/24</a:t>
+              <a:t>1/12/26</a:t>
             </a:fld>
             <a:endParaRPr lang="en-US"/>
           </a:p>
@@ -8176,7 +9062,7 @@
           <p:cNvPr id="2" name="Title 1">
             <a:extLst>
               <a:ext uri="{FF2B5EF4-FFF2-40B4-BE49-F238E27FC236}">
-                <a16:creationId xmlns:a16="http://schemas.microsoft.com/office/drawing/2014/main" id="{D531CBCA-F5F8-F3D1-AD8B-DB6C6B9FBD3D}"/>
+                <a16:creationId xmlns:a16="http://schemas.microsoft.com/office/drawing/2014/main" id="{BD717BFB-4465-1173-70A1-D9790CB2CBBD}"/>
               </a:ext>
             </a:extLst>
           </p:cNvPr>
@@ -8184,7 +9070,7 @@
             <a:spLocks noGrp="1"/>
           </p:cNvSpPr>
           <p:nvPr>
-            <p:ph type="title"/>
+            <p:ph type="ctrTitle"/>
           </p:nvPr>
         </p:nvSpPr>
         <p:spPr/>
@@ -8193,18 +9079,18 @@
           <a:lstStyle/>
           <a:p>
             <a:r>
-              <a:rPr lang="en-US" dirty="0"/>
-              <a:t>Today’s Readings</a:t>
+              <a:rPr lang="en-US" sz="8800" dirty="0"/>
+              <a:t>Tokenization and Word Frequency</a:t>
             </a:r>
           </a:p>
         </p:txBody>
       </p:sp>
       <p:sp>
         <p:nvSpPr>
-          <p:cNvPr id="3" name="Content Placeholder 2">
+          <p:cNvPr id="3" name="Subtitle 2">
             <a:extLst>
               <a:ext uri="{FF2B5EF4-FFF2-40B4-BE49-F238E27FC236}">
-                <a16:creationId xmlns:a16="http://schemas.microsoft.com/office/drawing/2014/main" id="{59380D1F-C5B6-0720-769C-AF9333D0EA62}"/>
+                <a16:creationId xmlns:a16="http://schemas.microsoft.com/office/drawing/2014/main" id="{0BB545C2-8580-B027-A1F2-6454EC8ECD39}"/>
               </a:ext>
             </a:extLst>
           </p:cNvPr>
@@ -8212,7 +9098,7 @@
             <a:spLocks noGrp="1"/>
           </p:cNvSpPr>
           <p:nvPr>
-            <p:ph idx="1"/>
+            <p:ph type="subTitle" idx="1"/>
           </p:nvPr>
         </p:nvSpPr>
         <p:spPr/>
@@ -8222,33 +9108,7 @@
           <a:p>
             <a:r>
               <a:rPr lang="en-US" dirty="0"/>
-              <a:t>Did the paper answer the research question? </a:t>
-            </a:r>
-          </a:p>
-          <a:p>
-            <a:r>
-              <a:rPr lang="en-US" dirty="0"/>
-              <a:t>Was the data appropriate for answering that question? </a:t>
-            </a:r>
-          </a:p>
-          <a:p>
-            <a:r>
-              <a:rPr lang="en-US" dirty="0"/>
-              <a:t>Was the method appropriate for answering that question? </a:t>
-            </a:r>
-          </a:p>
-          <a:p>
-            <a:r>
-              <a:rPr lang="en-US" dirty="0"/>
-              <a:t>Are the conclusions arrived at by the author </a:t>
-            </a:r>
-            <a:r>
-              <a:rPr lang="en-US"/>
-              <a:t>supported by `their </a:t>
-            </a:r>
-            <a:r>
-              <a:rPr lang="en-US" dirty="0"/>
-              <a:t>evidence?</a:t>
+              <a:t>Prof. Sebastián Vallejo Vera</a:t>
             </a:r>
           </a:p>
         </p:txBody>
@@ -8256,7 +9116,7 @@
     </p:spTree>
     <p:extLst>
       <p:ext uri="{BB962C8B-B14F-4D97-AF65-F5344CB8AC3E}">
-        <p14:creationId xmlns:p14="http://schemas.microsoft.com/office/powerpoint/2010/main" val="1652413843"/>
+        <p14:creationId xmlns:p14="http://schemas.microsoft.com/office/powerpoint/2010/main" val="2990253051"/>
       </p:ext>
     </p:extLst>
   </p:cSld>
@@ -8267,134 +9127,6 @@
 </file>
 
 <file path=ppt/slides/slide10.xml><?xml version="1.0" encoding="utf-8"?>
-<p:sld xmlns:a="http://schemas.openxmlformats.org/drawingml/2006/main" xmlns:r="http://schemas.openxmlformats.org/officeDocument/2006/relationships" xmlns:p="http://schemas.openxmlformats.org/presentationml/2006/main">
-  <p:cSld>
-    <p:spTree>
-      <p:nvGrpSpPr>
-        <p:cNvPr id="1" name=""/>
-        <p:cNvGrpSpPr/>
-        <p:nvPr/>
-      </p:nvGrpSpPr>
-      <p:grpSpPr>
-        <a:xfrm>
-          <a:off x="0" y="0"/>
-          <a:ext cx="0" cy="0"/>
-          <a:chOff x="0" y="0"/>
-          <a:chExt cx="0" cy="0"/>
-        </a:xfrm>
-      </p:grpSpPr>
-      <p:sp>
-        <p:nvSpPr>
-          <p:cNvPr id="2" name="Title 1">
-            <a:extLst>
-              <a:ext uri="{FF2B5EF4-FFF2-40B4-BE49-F238E27FC236}">
-                <a16:creationId xmlns:a16="http://schemas.microsoft.com/office/drawing/2014/main" id="{76CD47FF-C1D6-F84E-17C0-4E8E83E249D5}"/>
-              </a:ext>
-            </a:extLst>
-          </p:cNvPr>
-          <p:cNvSpPr>
-            <a:spLocks noGrp="1"/>
-          </p:cNvSpPr>
-          <p:nvPr>
-            <p:ph type="title"/>
-          </p:nvPr>
-        </p:nvSpPr>
-        <p:spPr/>
-        <p:txBody>
-          <a:bodyPr/>
-          <a:lstStyle/>
-          <a:p>
-            <a:r>
-              <a:rPr lang="en-US" dirty="0"/>
-              <a:t>1. The Unit of Analysis</a:t>
-            </a:r>
-          </a:p>
-        </p:txBody>
-      </p:sp>
-      <p:sp>
-        <p:nvSpPr>
-          <p:cNvPr id="3" name="Content Placeholder 2">
-            <a:extLst>
-              <a:ext uri="{FF2B5EF4-FFF2-40B4-BE49-F238E27FC236}">
-                <a16:creationId xmlns:a16="http://schemas.microsoft.com/office/drawing/2014/main" id="{0A8E5013-2274-C73A-7B67-454CA6C3301F}"/>
-              </a:ext>
-            </a:extLst>
-          </p:cNvPr>
-          <p:cNvSpPr>
-            <a:spLocks noGrp="1"/>
-          </p:cNvSpPr>
-          <p:nvPr>
-            <p:ph idx="1"/>
-          </p:nvPr>
-        </p:nvSpPr>
-        <p:spPr/>
-        <p:txBody>
-          <a:bodyPr/>
-          <a:lstStyle/>
-          <a:p>
-            <a:r>
-              <a:rPr lang="en-US" dirty="0"/>
-              <a:t>When analyzing text, we need to determine the unit of analysis.</a:t>
-            </a:r>
-          </a:p>
-          <a:p>
-            <a:r>
-              <a:rPr lang="en-US" dirty="0"/>
-              <a:t>Let’s say you want to analyze a corpus of Constitutions. What should the unit of analysis be?</a:t>
-            </a:r>
-          </a:p>
-          <a:p>
-            <a:pPr lvl="1"/>
-            <a:r>
-              <a:rPr lang="en-US" dirty="0"/>
-              <a:t>The whole constitution?</a:t>
-            </a:r>
-          </a:p>
-          <a:p>
-            <a:pPr lvl="1"/>
-            <a:r>
-              <a:rPr lang="en-US" dirty="0"/>
-              <a:t>Each chapter?</a:t>
-            </a:r>
-          </a:p>
-          <a:p>
-            <a:pPr lvl="1"/>
-            <a:r>
-              <a:rPr lang="en-US" dirty="0"/>
-              <a:t>Each subsection?</a:t>
-            </a:r>
-          </a:p>
-          <a:p>
-            <a:pPr lvl="1"/>
-            <a:r>
-              <a:rPr lang="en-US" dirty="0"/>
-              <a:t>Each law/amendment?</a:t>
-            </a:r>
-          </a:p>
-          <a:p>
-            <a:pPr lvl="1"/>
-            <a:endParaRPr lang="en-US" dirty="0"/>
-          </a:p>
-          <a:p>
-            <a:pPr lvl="1"/>
-            <a:endParaRPr lang="en-US" dirty="0"/>
-          </a:p>
-        </p:txBody>
-      </p:sp>
-    </p:spTree>
-    <p:extLst>
-      <p:ext uri="{BB962C8B-B14F-4D97-AF65-F5344CB8AC3E}">
-        <p14:creationId xmlns:p14="http://schemas.microsoft.com/office/powerpoint/2010/main" val="661034917"/>
-      </p:ext>
-    </p:extLst>
-  </p:cSld>
-  <p:clrMapOvr>
-    <a:masterClrMapping/>
-  </p:clrMapOvr>
-</p:sld>
-</file>
-
-<file path=ppt/slides/slide11.xml><?xml version="1.0" encoding="utf-8"?>
 <p:sld xmlns:a="http://schemas.openxmlformats.org/drawingml/2006/main" xmlns:r="http://schemas.openxmlformats.org/officeDocument/2006/relationships" xmlns:p="http://schemas.openxmlformats.org/presentationml/2006/main">
   <p:cSld>
     <p:spTree>
@@ -8613,7 +9345,7 @@
 </p:sld>
 </file>
 
-<file path=ppt/slides/slide12.xml><?xml version="1.0" encoding="utf-8"?>
+<file path=ppt/slides/slide11.xml><?xml version="1.0" encoding="utf-8"?>
 <p:sld xmlns:a="http://schemas.openxmlformats.org/drawingml/2006/main" xmlns:r="http://schemas.openxmlformats.org/officeDocument/2006/relationships" xmlns:p="http://schemas.openxmlformats.org/presentationml/2006/main">
   <p:cSld>
     <p:spTree>
@@ -8688,38 +9420,254 @@
             <a:pPr lvl="1"/>
             <a:r>
               <a:rPr lang="en-US" dirty="0"/>
-              <a:t>”I’m stylish, Glock tucked, big t-shirt, Billie </a:t>
+              <a:t>“First off fuck Dolce &amp; Gabbana (fuck '</a:t>
             </a:r>
             <a:r>
               <a:rPr lang="en-US" dirty="0" err="1"/>
-              <a:t>Eilish</a:t>
+              <a:t>em</a:t>
             </a:r>
             <a:r>
               <a:rPr lang="en-US" dirty="0"/>
-              <a:t>, watch on my wrist, but I want that in diamonds.”</a:t>
+              <a:t>, fuck '</a:t>
+            </a:r>
+            <a:r>
+              <a:rPr lang="en-US" dirty="0" err="1"/>
+              <a:t>em</a:t>
+            </a:r>
+            <a:r>
+              <a:rPr lang="en-US" dirty="0"/>
+              <a:t>). Racist </a:t>
+            </a:r>
+            <a:r>
+              <a:rPr lang="en-US" dirty="0" err="1"/>
+              <a:t>mothersuckers</a:t>
+            </a:r>
+            <a:r>
+              <a:rPr lang="en-US" dirty="0"/>
+              <a:t> </a:t>
+            </a:r>
+            <a:r>
+              <a:rPr lang="en-US" dirty="0" err="1"/>
+              <a:t>tryna</a:t>
+            </a:r>
+            <a:r>
+              <a:rPr lang="en-US" dirty="0"/>
+              <a:t> be my </a:t>
+            </a:r>
+            <a:r>
+              <a:rPr lang="en-US" dirty="0" err="1"/>
+              <a:t>pana</a:t>
+            </a:r>
+            <a:r>
+              <a:rPr lang="en-US" dirty="0"/>
+              <a:t> (</a:t>
+            </a:r>
+            <a:r>
+              <a:rPr lang="en-US" dirty="0" err="1"/>
+              <a:t>pana</a:t>
+            </a:r>
+            <a:r>
+              <a:rPr lang="en-US" dirty="0"/>
+              <a:t>, </a:t>
+            </a:r>
+            <a:r>
+              <a:rPr lang="en-US" dirty="0" err="1"/>
+              <a:t>pana</a:t>
+            </a:r>
+            <a:r>
+              <a:rPr lang="en-US" dirty="0"/>
+              <a:t>). Put that on me auntie and me mama, grab the Ghost then I go right back to Ghana.”</a:t>
             </a:r>
           </a:p>
           <a:p>
             <a:pPr lvl="1"/>
+            <a:endParaRPr lang="en-US" dirty="0"/>
+          </a:p>
+          <a:p>
+            <a:pPr marL="457200" lvl="1" indent="0">
+              <a:buNone/>
+            </a:pPr>
+            <a:endParaRPr lang="en-US" dirty="0"/>
+          </a:p>
+        </p:txBody>
+      </p:sp>
+      <p:pic>
+        <p:nvPicPr>
+          <p:cNvPr id="4" name="Picture 3">
+            <a:extLst>
+              <a:ext uri="{FF2B5EF4-FFF2-40B4-BE49-F238E27FC236}">
+                <a16:creationId xmlns:a16="http://schemas.microsoft.com/office/drawing/2014/main" id="{C3FC5F01-DF19-61D3-A8F6-80AA2C759F48}"/>
+              </a:ext>
+            </a:extLst>
+          </p:cNvPr>
+          <p:cNvPicPr>
+            <a:picLocks noChangeAspect="1"/>
+          </p:cNvPicPr>
+          <p:nvPr/>
+        </p:nvPicPr>
+        <p:blipFill>
+          <a:blip r:embed="rId2"/>
+          <a:stretch>
+            <a:fillRect/>
+          </a:stretch>
+        </p:blipFill>
+        <p:spPr>
+          <a:xfrm>
+            <a:off x="4148686" y="3522337"/>
+            <a:ext cx="3619500" cy="2616200"/>
+          </a:xfrm>
+          <a:prstGeom prst="rect">
+            <a:avLst/>
+          </a:prstGeom>
+        </p:spPr>
+      </p:pic>
+    </p:spTree>
+    <p:extLst>
+      <p:ext uri="{BB962C8B-B14F-4D97-AF65-F5344CB8AC3E}">
+        <p14:creationId xmlns:p14="http://schemas.microsoft.com/office/powerpoint/2010/main" val="1704471439"/>
+      </p:ext>
+    </p:extLst>
+  </p:cSld>
+  <p:clrMapOvr>
+    <a:masterClrMapping/>
+  </p:clrMapOvr>
+</p:sld>
+</file>
+
+<file path=ppt/slides/slide12.xml><?xml version="1.0" encoding="utf-8"?>
+<p:sld xmlns:a="http://schemas.openxmlformats.org/drawingml/2006/main" xmlns:r="http://schemas.openxmlformats.org/officeDocument/2006/relationships" xmlns:p="http://schemas.openxmlformats.org/presentationml/2006/main">
+  <p:cSld>
+    <p:spTree>
+      <p:nvGrpSpPr>
+        <p:cNvPr id="1" name=""/>
+        <p:cNvGrpSpPr/>
+        <p:nvPr/>
+      </p:nvGrpSpPr>
+      <p:grpSpPr>
+        <a:xfrm>
+          <a:off x="0" y="0"/>
+          <a:ext cx="0" cy="0"/>
+          <a:chOff x="0" y="0"/>
+          <a:chExt cx="0" cy="0"/>
+        </a:xfrm>
+      </p:grpSpPr>
+      <p:sp>
+        <p:nvSpPr>
+          <p:cNvPr id="2" name="Title 1">
+            <a:extLst>
+              <a:ext uri="{FF2B5EF4-FFF2-40B4-BE49-F238E27FC236}">
+                <a16:creationId xmlns:a16="http://schemas.microsoft.com/office/drawing/2014/main" id="{51E05328-C6FC-E347-E29C-83C000B79B61}"/>
+              </a:ext>
+            </a:extLst>
+          </p:cNvPr>
+          <p:cNvSpPr>
+            <a:spLocks noGrp="1"/>
+          </p:cNvSpPr>
+          <p:nvPr>
+            <p:ph type="title"/>
+          </p:nvPr>
+        </p:nvSpPr>
+        <p:spPr/>
+        <p:txBody>
+          <a:bodyPr/>
+          <a:lstStyle/>
+          <a:p>
+            <a:endParaRPr lang="en-US"/>
+          </a:p>
+        </p:txBody>
+      </p:sp>
+      <p:sp>
+        <p:nvSpPr>
+          <p:cNvPr id="3" name="Content Placeholder 2">
+            <a:extLst>
+              <a:ext uri="{FF2B5EF4-FFF2-40B4-BE49-F238E27FC236}">
+                <a16:creationId xmlns:a16="http://schemas.microsoft.com/office/drawing/2014/main" id="{5DDF65F6-C8B0-19F6-3BD6-54AF35316E4B}"/>
+              </a:ext>
+            </a:extLst>
+          </p:cNvPr>
+          <p:cNvSpPr>
+            <a:spLocks noGrp="1"/>
+          </p:cNvSpPr>
+          <p:nvPr>
+            <p:ph idx="1"/>
+          </p:nvPr>
+        </p:nvSpPr>
+        <p:spPr/>
+        <p:txBody>
+          <a:bodyPr/>
+          <a:lstStyle/>
+          <a:p>
             <a:r>
               <a:rPr lang="en-US" dirty="0"/>
-              <a:t>“I”, “’”, “m”, ”stylish”, “,”, ”Glock”, “tucked”, “,”, ”big”, “t”, ”-”, “shirt”, “Billie”, “</a:t>
+              <a:t>According to Grimmer et al. (2022), in addition to tokenization we need to:</a:t>
+            </a:r>
+          </a:p>
+          <a:p>
+            <a:pPr lvl="1"/>
+            <a:r>
+              <a:rPr lang="en-US" dirty="0"/>
+              <a:t>Reduce complexity</a:t>
+            </a:r>
+          </a:p>
+          <a:p>
+            <a:pPr lvl="2"/>
+            <a:r>
+              <a:rPr lang="en-US" dirty="0"/>
+              <a:t>Lowercase</a:t>
+            </a:r>
+          </a:p>
+          <a:p>
+            <a:pPr lvl="2"/>
+            <a:r>
+              <a:rPr lang="en-US" dirty="0"/>
+              <a:t>Remove punctuation</a:t>
+            </a:r>
+          </a:p>
+          <a:p>
+            <a:pPr lvl="2"/>
+            <a:r>
+              <a:rPr lang="en-US" dirty="0"/>
+              <a:t>Remove stop words</a:t>
+            </a:r>
+          </a:p>
+          <a:p>
+            <a:pPr lvl="2"/>
+            <a:r>
+              <a:rPr lang="en-US" dirty="0"/>
+              <a:t>Create equivalence classes</a:t>
+            </a:r>
+          </a:p>
+          <a:p>
+            <a:pPr lvl="2"/>
+            <a:r>
+              <a:rPr lang="en-US" dirty="0"/>
+              <a:t>Filter by frequency </a:t>
+            </a:r>
+          </a:p>
+          <a:p>
+            <a:pPr lvl="1"/>
+            <a:r>
+              <a:rPr lang="en-US" dirty="0"/>
+              <a:t>Create a document-feature matrix (</a:t>
             </a:r>
             <a:r>
               <a:rPr lang="en-US" dirty="0" err="1"/>
-              <a:t>Eilish</a:t>
+              <a:t>dfm</a:t>
             </a:r>
             <a:r>
               <a:rPr lang="en-US" dirty="0"/>
-              <a:t>”, “,”, “watch”, “on”, “my”, “wrist”, “,”, ”but”, ”I”, “want”, ”that”, “in”, “diamonds”, “.” </a:t>
-            </a:r>
+              <a:t>). </a:t>
+            </a:r>
+          </a:p>
+          <a:p>
+            <a:endParaRPr lang="en-US" dirty="0"/>
           </a:p>
         </p:txBody>
       </p:sp>
     </p:spTree>
     <p:extLst>
       <p:ext uri="{BB962C8B-B14F-4D97-AF65-F5344CB8AC3E}">
-        <p14:creationId xmlns:p14="http://schemas.microsoft.com/office/powerpoint/2010/main" val="1704471439"/>
+        <p14:creationId xmlns:p14="http://schemas.microsoft.com/office/powerpoint/2010/main" val="2432591852"/>
       </p:ext>
     </p:extLst>
   </p:cSld>
@@ -8794,48 +9742,72 @@
           <a:p>
             <a:r>
               <a:rPr lang="en-US" dirty="0"/>
-              <a:t>According to Grimmer et al. (2022), in addition to tokenization we need to:</a:t>
+              <a:t>According to Grimmer et al. (2022), in addition to tokenization we need:</a:t>
             </a:r>
           </a:p>
           <a:p>
             <a:pPr lvl="1"/>
             <a:r>
-              <a:rPr lang="en-US" dirty="0"/>
-              <a:t>Reduce complexity</a:t>
+              <a:rPr lang="en-US" dirty="0">
+                <a:solidFill>
+                  <a:schemeClr val="accent4"/>
+                </a:solidFill>
+              </a:rPr>
+              <a:t>Reduce complexity (think about this as reducing noise)</a:t>
             </a:r>
           </a:p>
           <a:p>
             <a:pPr lvl="2"/>
             <a:r>
-              <a:rPr lang="en-US" dirty="0"/>
+              <a:rPr lang="en-US" dirty="0">
+                <a:solidFill>
+                  <a:schemeClr val="accent4"/>
+                </a:solidFill>
+              </a:rPr>
               <a:t>Lowercase</a:t>
             </a:r>
           </a:p>
           <a:p>
             <a:pPr lvl="2"/>
             <a:r>
-              <a:rPr lang="en-US" dirty="0"/>
+              <a:rPr lang="en-US" dirty="0">
+                <a:solidFill>
+                  <a:schemeClr val="accent4"/>
+                </a:solidFill>
+              </a:rPr>
               <a:t>Remove punctuation</a:t>
             </a:r>
           </a:p>
           <a:p>
             <a:pPr lvl="2"/>
             <a:r>
-              <a:rPr lang="en-US" dirty="0"/>
+              <a:rPr lang="en-US" dirty="0">
+                <a:solidFill>
+                  <a:schemeClr val="accent4"/>
+                </a:solidFill>
+              </a:rPr>
               <a:t>Remove stop words</a:t>
             </a:r>
           </a:p>
           <a:p>
             <a:pPr lvl="2"/>
             <a:r>
-              <a:rPr lang="en-US" dirty="0"/>
+              <a:rPr lang="en-US" dirty="0">
+                <a:solidFill>
+                  <a:schemeClr val="accent4"/>
+                </a:solidFill>
+              </a:rPr>
               <a:t>Create equivalence classes</a:t>
             </a:r>
           </a:p>
           <a:p>
             <a:pPr lvl="2"/>
             <a:r>
-              <a:rPr lang="en-US" dirty="0"/>
+              <a:rPr lang="en-US" dirty="0">
+                <a:solidFill>
+                  <a:schemeClr val="accent4"/>
+                </a:solidFill>
+              </a:rPr>
               <a:t>Filter by frequency </a:t>
             </a:r>
           </a:p>
@@ -8862,7 +9834,7 @@
     </p:spTree>
     <p:extLst>
       <p:ext uri="{BB962C8B-B14F-4D97-AF65-F5344CB8AC3E}">
-        <p14:creationId xmlns:p14="http://schemas.microsoft.com/office/powerpoint/2010/main" val="2432591852"/>
+        <p14:creationId xmlns:p14="http://schemas.microsoft.com/office/powerpoint/2010/main" val="1573240928"/>
       </p:ext>
     </p:extLst>
   </p:cSld>
@@ -8873,6 +9845,638 @@
 </file>
 
 <file path=ppt/slides/slide14.xml><?xml version="1.0" encoding="utf-8"?>
+<p:sld xmlns:a="http://schemas.openxmlformats.org/drawingml/2006/main" xmlns:r="http://schemas.openxmlformats.org/officeDocument/2006/relationships" xmlns:p="http://schemas.openxmlformats.org/presentationml/2006/main">
+  <p:cSld>
+    <p:spTree>
+      <p:nvGrpSpPr>
+        <p:cNvPr id="1" name=""/>
+        <p:cNvGrpSpPr/>
+        <p:nvPr/>
+      </p:nvGrpSpPr>
+      <p:grpSpPr>
+        <a:xfrm>
+          <a:off x="0" y="0"/>
+          <a:ext cx="0" cy="0"/>
+          <a:chOff x="0" y="0"/>
+          <a:chExt cx="0" cy="0"/>
+        </a:xfrm>
+      </p:grpSpPr>
+      <p:sp>
+        <p:nvSpPr>
+          <p:cNvPr id="2" name="Title 1">
+            <a:extLst>
+              <a:ext uri="{FF2B5EF4-FFF2-40B4-BE49-F238E27FC236}">
+                <a16:creationId xmlns:a16="http://schemas.microsoft.com/office/drawing/2014/main" id="{3FB813B3-5A22-CBC6-6727-4B5A9661A91C}"/>
+              </a:ext>
+            </a:extLst>
+          </p:cNvPr>
+          <p:cNvSpPr>
+            <a:spLocks noGrp="1"/>
+          </p:cNvSpPr>
+          <p:nvPr>
+            <p:ph type="title"/>
+          </p:nvPr>
+        </p:nvSpPr>
+        <p:spPr/>
+        <p:txBody>
+          <a:bodyPr/>
+          <a:lstStyle/>
+          <a:p>
+            <a:endParaRPr lang="en-US"/>
+          </a:p>
+        </p:txBody>
+      </p:sp>
+      <p:sp>
+        <p:nvSpPr>
+          <p:cNvPr id="3" name="Content Placeholder 2">
+            <a:extLst>
+              <a:ext uri="{FF2B5EF4-FFF2-40B4-BE49-F238E27FC236}">
+                <a16:creationId xmlns:a16="http://schemas.microsoft.com/office/drawing/2014/main" id="{3982E04B-01F7-32FC-7A80-16F23519456B}"/>
+              </a:ext>
+            </a:extLst>
+          </p:cNvPr>
+          <p:cNvSpPr>
+            <a:spLocks noGrp="1"/>
+          </p:cNvSpPr>
+          <p:nvPr>
+            <p:ph idx="1"/>
+          </p:nvPr>
+        </p:nvSpPr>
+        <p:spPr/>
+        <p:txBody>
+          <a:bodyPr/>
+          <a:lstStyle/>
+          <a:p>
+            <a:r>
+              <a:rPr lang="en-US" dirty="0"/>
+              <a:t>For the computer, Boat != boat. For humans, Boat = boat. Thus, we first turn all the words to </a:t>
+            </a:r>
+            <a:r>
+              <a:rPr lang="en-US" dirty="0">
+                <a:solidFill>
+                  <a:schemeClr val="accent4"/>
+                </a:solidFill>
+              </a:rPr>
+              <a:t>lowercase</a:t>
+            </a:r>
+            <a:r>
+              <a:rPr lang="en-US" dirty="0"/>
+              <a:t>:</a:t>
+            </a:r>
+          </a:p>
+        </p:txBody>
+      </p:sp>
+      <p:pic>
+        <p:nvPicPr>
+          <p:cNvPr id="4" name="Picture 3">
+            <a:extLst>
+              <a:ext uri="{FF2B5EF4-FFF2-40B4-BE49-F238E27FC236}">
+                <a16:creationId xmlns:a16="http://schemas.microsoft.com/office/drawing/2014/main" id="{3EF646F5-FDA1-EC52-3DF1-51601AA7400A}"/>
+              </a:ext>
+            </a:extLst>
+          </p:cNvPr>
+          <p:cNvPicPr>
+            <a:picLocks noChangeAspect="1"/>
+          </p:cNvPicPr>
+          <p:nvPr/>
+        </p:nvPicPr>
+        <p:blipFill>
+          <a:blip r:embed="rId2"/>
+          <a:stretch>
+            <a:fillRect/>
+          </a:stretch>
+        </p:blipFill>
+        <p:spPr>
+          <a:xfrm>
+            <a:off x="2859128" y="3140157"/>
+            <a:ext cx="6473743" cy="3028999"/>
+          </a:xfrm>
+          <a:prstGeom prst="rect">
+            <a:avLst/>
+          </a:prstGeom>
+        </p:spPr>
+      </p:pic>
+    </p:spTree>
+    <p:extLst>
+      <p:ext uri="{BB962C8B-B14F-4D97-AF65-F5344CB8AC3E}">
+        <p14:creationId xmlns:p14="http://schemas.microsoft.com/office/powerpoint/2010/main" val="529792731"/>
+      </p:ext>
+    </p:extLst>
+  </p:cSld>
+  <p:clrMapOvr>
+    <a:masterClrMapping/>
+  </p:clrMapOvr>
+</p:sld>
+</file>
+
+<file path=ppt/slides/slide15.xml><?xml version="1.0" encoding="utf-8"?>
+<p:sld xmlns:a="http://schemas.openxmlformats.org/drawingml/2006/main" xmlns:r="http://schemas.openxmlformats.org/officeDocument/2006/relationships" xmlns:p="http://schemas.openxmlformats.org/presentationml/2006/main">
+  <p:cSld>
+    <p:spTree>
+      <p:nvGrpSpPr>
+        <p:cNvPr id="1" name=""/>
+        <p:cNvGrpSpPr/>
+        <p:nvPr/>
+      </p:nvGrpSpPr>
+      <p:grpSpPr>
+        <a:xfrm>
+          <a:off x="0" y="0"/>
+          <a:ext cx="0" cy="0"/>
+          <a:chOff x="0" y="0"/>
+          <a:chExt cx="0" cy="0"/>
+        </a:xfrm>
+      </p:grpSpPr>
+      <p:sp>
+        <p:nvSpPr>
+          <p:cNvPr id="2" name="Title 1">
+            <a:extLst>
+              <a:ext uri="{FF2B5EF4-FFF2-40B4-BE49-F238E27FC236}">
+                <a16:creationId xmlns:a16="http://schemas.microsoft.com/office/drawing/2014/main" id="{8A2B3261-C193-2C5C-84EF-BF9E5BA09AFF}"/>
+              </a:ext>
+            </a:extLst>
+          </p:cNvPr>
+          <p:cNvSpPr>
+            <a:spLocks noGrp="1"/>
+          </p:cNvSpPr>
+          <p:nvPr>
+            <p:ph type="title"/>
+          </p:nvPr>
+        </p:nvSpPr>
+        <p:spPr/>
+        <p:txBody>
+          <a:bodyPr/>
+          <a:lstStyle/>
+          <a:p>
+            <a:endParaRPr lang="en-US"/>
+          </a:p>
+        </p:txBody>
+      </p:sp>
+      <p:sp>
+        <p:nvSpPr>
+          <p:cNvPr id="3" name="Content Placeholder 2">
+            <a:extLst>
+              <a:ext uri="{FF2B5EF4-FFF2-40B4-BE49-F238E27FC236}">
+                <a16:creationId xmlns:a16="http://schemas.microsoft.com/office/drawing/2014/main" id="{A0F81B67-9C39-E3DB-1FEF-606DFF0F30B5}"/>
+              </a:ext>
+            </a:extLst>
+          </p:cNvPr>
+          <p:cNvSpPr>
+            <a:spLocks noGrp="1"/>
+          </p:cNvSpPr>
+          <p:nvPr>
+            <p:ph idx="1"/>
+          </p:nvPr>
+        </p:nvSpPr>
+        <p:spPr/>
+        <p:txBody>
+          <a:bodyPr/>
+          <a:lstStyle/>
+          <a:p>
+            <a:r>
+              <a:rPr lang="en-US" dirty="0"/>
+              <a:t>Since we are not analyzing tokens in context, we </a:t>
+            </a:r>
+            <a:r>
+              <a:rPr lang="en-US" dirty="0">
+                <a:solidFill>
+                  <a:schemeClr val="accent4"/>
+                </a:solidFill>
+              </a:rPr>
+              <a:t>remove punctuation</a:t>
+            </a:r>
+            <a:r>
+              <a:rPr lang="en-US" dirty="0"/>
+              <a:t>:</a:t>
+            </a:r>
+          </a:p>
+          <a:p>
+            <a:pPr marL="0" indent="0">
+              <a:buNone/>
+            </a:pPr>
+            <a:endParaRPr lang="en-US" dirty="0"/>
+          </a:p>
+        </p:txBody>
+      </p:sp>
+      <p:pic>
+        <p:nvPicPr>
+          <p:cNvPr id="4" name="Picture 3">
+            <a:extLst>
+              <a:ext uri="{FF2B5EF4-FFF2-40B4-BE49-F238E27FC236}">
+                <a16:creationId xmlns:a16="http://schemas.microsoft.com/office/drawing/2014/main" id="{8371FE64-DC5D-46C1-CA54-6296D042E448}"/>
+              </a:ext>
+            </a:extLst>
+          </p:cNvPr>
+          <p:cNvPicPr>
+            <a:picLocks noChangeAspect="1"/>
+          </p:cNvPicPr>
+          <p:nvPr/>
+        </p:nvPicPr>
+        <p:blipFill>
+          <a:blip r:embed="rId2"/>
+          <a:stretch>
+            <a:fillRect/>
+          </a:stretch>
+        </p:blipFill>
+        <p:spPr>
+          <a:xfrm>
+            <a:off x="1932171" y="2976372"/>
+            <a:ext cx="8327657" cy="2903220"/>
+          </a:xfrm>
+          <a:prstGeom prst="rect">
+            <a:avLst/>
+          </a:prstGeom>
+        </p:spPr>
+      </p:pic>
+    </p:spTree>
+    <p:extLst>
+      <p:ext uri="{BB962C8B-B14F-4D97-AF65-F5344CB8AC3E}">
+        <p14:creationId xmlns:p14="http://schemas.microsoft.com/office/powerpoint/2010/main" val="4049513003"/>
+      </p:ext>
+    </p:extLst>
+  </p:cSld>
+  <p:clrMapOvr>
+    <a:masterClrMapping/>
+  </p:clrMapOvr>
+</p:sld>
+</file>
+
+<file path=ppt/slides/slide16.xml><?xml version="1.0" encoding="utf-8"?>
+<p:sld xmlns:a="http://schemas.openxmlformats.org/drawingml/2006/main" xmlns:r="http://schemas.openxmlformats.org/officeDocument/2006/relationships" xmlns:p="http://schemas.openxmlformats.org/presentationml/2006/main">
+  <p:cSld>
+    <p:spTree>
+      <p:nvGrpSpPr>
+        <p:cNvPr id="1" name=""/>
+        <p:cNvGrpSpPr/>
+        <p:nvPr/>
+      </p:nvGrpSpPr>
+      <p:grpSpPr>
+        <a:xfrm>
+          <a:off x="0" y="0"/>
+          <a:ext cx="0" cy="0"/>
+          <a:chOff x="0" y="0"/>
+          <a:chExt cx="0" cy="0"/>
+        </a:xfrm>
+      </p:grpSpPr>
+      <p:sp>
+        <p:nvSpPr>
+          <p:cNvPr id="2" name="Title 1">
+            <a:extLst>
+              <a:ext uri="{FF2B5EF4-FFF2-40B4-BE49-F238E27FC236}">
+                <a16:creationId xmlns:a16="http://schemas.microsoft.com/office/drawing/2014/main" id="{123F7FF7-6FFB-1C67-BBCD-31EF3EA1AB61}"/>
+              </a:ext>
+            </a:extLst>
+          </p:cNvPr>
+          <p:cNvSpPr>
+            <a:spLocks noGrp="1"/>
+          </p:cNvSpPr>
+          <p:nvPr>
+            <p:ph type="title"/>
+          </p:nvPr>
+        </p:nvSpPr>
+        <p:spPr/>
+        <p:txBody>
+          <a:bodyPr/>
+          <a:lstStyle/>
+          <a:p>
+            <a:endParaRPr lang="en-US"/>
+          </a:p>
+        </p:txBody>
+      </p:sp>
+      <p:sp>
+        <p:nvSpPr>
+          <p:cNvPr id="3" name="Content Placeholder 2">
+            <a:extLst>
+              <a:ext uri="{FF2B5EF4-FFF2-40B4-BE49-F238E27FC236}">
+                <a16:creationId xmlns:a16="http://schemas.microsoft.com/office/drawing/2014/main" id="{42240197-82B5-C339-1C03-D27E8D33DBA3}"/>
+              </a:ext>
+            </a:extLst>
+          </p:cNvPr>
+          <p:cNvSpPr>
+            <a:spLocks noGrp="1"/>
+          </p:cNvSpPr>
+          <p:nvPr>
+            <p:ph idx="1"/>
+          </p:nvPr>
+        </p:nvSpPr>
+        <p:spPr/>
+        <p:txBody>
+          <a:bodyPr/>
+          <a:lstStyle/>
+          <a:p>
+            <a:r>
+              <a:rPr lang="en-US" dirty="0">
+                <a:solidFill>
+                  <a:schemeClr val="accent4"/>
+                </a:solidFill>
+              </a:rPr>
+              <a:t>Stop words </a:t>
+            </a:r>
+            <a:r>
+              <a:rPr lang="en-US" dirty="0"/>
+              <a:t>are common words used across documents that (most of the time) do not give much information about the task at hand. </a:t>
+            </a:r>
+          </a:p>
+          <a:p>
+            <a:pPr lvl="1"/>
+            <a:r>
+              <a:rPr lang="en-US" dirty="0"/>
+              <a:t>In English, words like ”and”, “the”, and “a” may be removed from the documents to reduce the size and complexity of the feature set.</a:t>
+            </a:r>
+          </a:p>
+          <a:p>
+            <a:pPr marL="457200" lvl="1" indent="0">
+              <a:buNone/>
+            </a:pPr>
+            <a:endParaRPr lang="en-US" dirty="0"/>
+          </a:p>
+        </p:txBody>
+      </p:sp>
+      <p:pic>
+        <p:nvPicPr>
+          <p:cNvPr id="6" name="Picture 5">
+            <a:extLst>
+              <a:ext uri="{FF2B5EF4-FFF2-40B4-BE49-F238E27FC236}">
+                <a16:creationId xmlns:a16="http://schemas.microsoft.com/office/drawing/2014/main" id="{F374B71B-8279-4A23-1494-2A7B7B14409C}"/>
+              </a:ext>
+            </a:extLst>
+          </p:cNvPr>
+          <p:cNvPicPr>
+            <a:picLocks noChangeAspect="1"/>
+          </p:cNvPicPr>
+          <p:nvPr/>
+        </p:nvPicPr>
+        <p:blipFill>
+          <a:blip r:embed="rId2"/>
+          <a:stretch>
+            <a:fillRect/>
+          </a:stretch>
+        </p:blipFill>
+        <p:spPr>
+          <a:xfrm>
+            <a:off x="1817841" y="3907028"/>
+            <a:ext cx="8556317" cy="1972564"/>
+          </a:xfrm>
+          <a:prstGeom prst="rect">
+            <a:avLst/>
+          </a:prstGeom>
+        </p:spPr>
+      </p:pic>
+    </p:spTree>
+    <p:extLst>
+      <p:ext uri="{BB962C8B-B14F-4D97-AF65-F5344CB8AC3E}">
+        <p14:creationId xmlns:p14="http://schemas.microsoft.com/office/powerpoint/2010/main" val="700881489"/>
+      </p:ext>
+    </p:extLst>
+  </p:cSld>
+  <p:clrMapOvr>
+    <a:masterClrMapping/>
+  </p:clrMapOvr>
+</p:sld>
+</file>
+
+<file path=ppt/slides/slide17.xml><?xml version="1.0" encoding="utf-8"?>
+<p:sld xmlns:a="http://schemas.openxmlformats.org/drawingml/2006/main" xmlns:r="http://schemas.openxmlformats.org/officeDocument/2006/relationships" xmlns:p="http://schemas.openxmlformats.org/presentationml/2006/main">
+  <p:cSld>
+    <p:spTree>
+      <p:nvGrpSpPr>
+        <p:cNvPr id="1" name=""/>
+        <p:cNvGrpSpPr/>
+        <p:nvPr/>
+      </p:nvGrpSpPr>
+      <p:grpSpPr>
+        <a:xfrm>
+          <a:off x="0" y="0"/>
+          <a:ext cx="0" cy="0"/>
+          <a:chOff x="0" y="0"/>
+          <a:chExt cx="0" cy="0"/>
+        </a:xfrm>
+      </p:grpSpPr>
+      <p:sp>
+        <p:nvSpPr>
+          <p:cNvPr id="2" name="Title 1">
+            <a:extLst>
+              <a:ext uri="{FF2B5EF4-FFF2-40B4-BE49-F238E27FC236}">
+                <a16:creationId xmlns:a16="http://schemas.microsoft.com/office/drawing/2014/main" id="{124989C4-3786-AC3F-64CE-6E4141118EDD}"/>
+              </a:ext>
+            </a:extLst>
+          </p:cNvPr>
+          <p:cNvSpPr>
+            <a:spLocks noGrp="1"/>
+          </p:cNvSpPr>
+          <p:nvPr>
+            <p:ph type="title"/>
+          </p:nvPr>
+        </p:nvSpPr>
+        <p:spPr/>
+        <p:txBody>
+          <a:bodyPr/>
+          <a:lstStyle/>
+          <a:p>
+            <a:endParaRPr lang="en-US"/>
+          </a:p>
+        </p:txBody>
+      </p:sp>
+      <p:sp>
+        <p:nvSpPr>
+          <p:cNvPr id="3" name="Content Placeholder 2">
+            <a:extLst>
+              <a:ext uri="{FF2B5EF4-FFF2-40B4-BE49-F238E27FC236}">
+                <a16:creationId xmlns:a16="http://schemas.microsoft.com/office/drawing/2014/main" id="{0B1B1489-4069-689A-5E31-994FCF736796}"/>
+              </a:ext>
+            </a:extLst>
+          </p:cNvPr>
+          <p:cNvSpPr>
+            <a:spLocks noGrp="1"/>
+          </p:cNvSpPr>
+          <p:nvPr>
+            <p:ph idx="1"/>
+          </p:nvPr>
+        </p:nvSpPr>
+        <p:spPr/>
+        <p:txBody>
+          <a:bodyPr/>
+          <a:lstStyle/>
+          <a:p>
+            <a:r>
+              <a:rPr lang="en-US" dirty="0"/>
+              <a:t>For computers, cars != car. For humans, cars = car. For computers, read != reads != reading. For humans, read = reads = reading. Thus, to maintain the root of a word, we can </a:t>
+            </a:r>
+            <a:r>
+              <a:rPr lang="en-US" dirty="0">
+                <a:solidFill>
+                  <a:schemeClr val="accent4"/>
+                </a:solidFill>
+              </a:rPr>
+              <a:t>stem</a:t>
+            </a:r>
+            <a:r>
+              <a:rPr lang="en-US" dirty="0"/>
+              <a:t>. It might look something like this:</a:t>
+            </a:r>
+          </a:p>
+          <a:p>
+            <a:pPr marL="0" indent="0">
+              <a:buNone/>
+            </a:pPr>
+            <a:endParaRPr lang="en-US" dirty="0"/>
+          </a:p>
+        </p:txBody>
+      </p:sp>
+      <p:pic>
+        <p:nvPicPr>
+          <p:cNvPr id="4" name="Picture 3">
+            <a:extLst>
+              <a:ext uri="{FF2B5EF4-FFF2-40B4-BE49-F238E27FC236}">
+                <a16:creationId xmlns:a16="http://schemas.microsoft.com/office/drawing/2014/main" id="{8A3CF1A5-91AC-D564-0375-58F6779C1DDC}"/>
+              </a:ext>
+            </a:extLst>
+          </p:cNvPr>
+          <p:cNvPicPr>
+            <a:picLocks noChangeAspect="1"/>
+          </p:cNvPicPr>
+          <p:nvPr/>
+        </p:nvPicPr>
+        <p:blipFill>
+          <a:blip r:embed="rId2"/>
+          <a:stretch>
+            <a:fillRect/>
+          </a:stretch>
+        </p:blipFill>
+        <p:spPr>
+          <a:xfrm>
+            <a:off x="1426820" y="3899916"/>
+            <a:ext cx="9828038" cy="1718564"/>
+          </a:xfrm>
+          <a:prstGeom prst="rect">
+            <a:avLst/>
+          </a:prstGeom>
+        </p:spPr>
+      </p:pic>
+    </p:spTree>
+    <p:extLst>
+      <p:ext uri="{BB962C8B-B14F-4D97-AF65-F5344CB8AC3E}">
+        <p14:creationId xmlns:p14="http://schemas.microsoft.com/office/powerpoint/2010/main" val="2543339323"/>
+      </p:ext>
+    </p:extLst>
+  </p:cSld>
+  <p:clrMapOvr>
+    <a:masterClrMapping/>
+  </p:clrMapOvr>
+</p:sld>
+</file>
+
+<file path=ppt/slides/slide18.xml><?xml version="1.0" encoding="utf-8"?>
+<p:sld xmlns:a="http://schemas.openxmlformats.org/drawingml/2006/main" xmlns:r="http://schemas.openxmlformats.org/officeDocument/2006/relationships" xmlns:p="http://schemas.openxmlformats.org/presentationml/2006/main">
+  <p:cSld>
+    <p:spTree>
+      <p:nvGrpSpPr>
+        <p:cNvPr id="1" name=""/>
+        <p:cNvGrpSpPr/>
+        <p:nvPr/>
+      </p:nvGrpSpPr>
+      <p:grpSpPr>
+        <a:xfrm>
+          <a:off x="0" y="0"/>
+          <a:ext cx="0" cy="0"/>
+          <a:chOff x="0" y="0"/>
+          <a:chExt cx="0" cy="0"/>
+        </a:xfrm>
+      </p:grpSpPr>
+      <p:sp>
+        <p:nvSpPr>
+          <p:cNvPr id="2" name="Title 1">
+            <a:extLst>
+              <a:ext uri="{FF2B5EF4-FFF2-40B4-BE49-F238E27FC236}">
+                <a16:creationId xmlns:a16="http://schemas.microsoft.com/office/drawing/2014/main" id="{97D656D2-5288-EDE9-FE76-24D478998A0B}"/>
+              </a:ext>
+            </a:extLst>
+          </p:cNvPr>
+          <p:cNvSpPr>
+            <a:spLocks noGrp="1"/>
+          </p:cNvSpPr>
+          <p:nvPr>
+            <p:ph type="title"/>
+          </p:nvPr>
+        </p:nvSpPr>
+        <p:spPr/>
+        <p:txBody>
+          <a:bodyPr/>
+          <a:lstStyle/>
+          <a:p>
+            <a:endParaRPr lang="en-US"/>
+          </a:p>
+        </p:txBody>
+      </p:sp>
+      <p:sp>
+        <p:nvSpPr>
+          <p:cNvPr id="3" name="Content Placeholder 2">
+            <a:extLst>
+              <a:ext uri="{FF2B5EF4-FFF2-40B4-BE49-F238E27FC236}">
+                <a16:creationId xmlns:a16="http://schemas.microsoft.com/office/drawing/2014/main" id="{BE327A58-FD31-8495-3218-1F4EDA042A77}"/>
+              </a:ext>
+            </a:extLst>
+          </p:cNvPr>
+          <p:cNvSpPr>
+            <a:spLocks noGrp="1"/>
+          </p:cNvSpPr>
+          <p:nvPr>
+            <p:ph idx="1"/>
+          </p:nvPr>
+        </p:nvSpPr>
+        <p:spPr/>
+        <p:txBody>
+          <a:bodyPr/>
+          <a:lstStyle/>
+          <a:p>
+            <a:r>
+              <a:rPr lang="en-US" dirty="0"/>
+              <a:t>Finally, there are some tokens that either occur too much or occur too little for them to be relevant to the analysis yet can affect future modelling. </a:t>
+            </a:r>
+          </a:p>
+          <a:p>
+            <a:r>
+              <a:rPr lang="en-US" dirty="0"/>
+              <a:t>For example, in a corpus of Canadian laws, the tokens “</a:t>
+            </a:r>
+            <a:r>
+              <a:rPr lang="en-US" dirty="0" err="1"/>
+              <a:t>canada</a:t>
+            </a:r>
+            <a:r>
+              <a:rPr lang="en-US" dirty="0"/>
+              <a:t>” and “law” will probably be quite common </a:t>
+            </a:r>
+            <a:r>
+              <a:rPr lang="en-US" i="1" dirty="0"/>
+              <a:t>and</a:t>
+            </a:r>
+            <a:r>
+              <a:rPr lang="en-US" dirty="0"/>
+              <a:t> quite uninformative. </a:t>
+            </a:r>
+          </a:p>
+          <a:p>
+            <a:r>
+              <a:rPr lang="en-US" dirty="0"/>
+              <a:t>Likewise, tokens that only appear once (or not often) in large corpora are unlikely to be useful.  </a:t>
+            </a:r>
+          </a:p>
+        </p:txBody>
+      </p:sp>
+    </p:spTree>
+    <p:extLst>
+      <p:ext uri="{BB962C8B-B14F-4D97-AF65-F5344CB8AC3E}">
+        <p14:creationId xmlns:p14="http://schemas.microsoft.com/office/powerpoint/2010/main" val="3500565542"/>
+      </p:ext>
+    </p:extLst>
+  </p:cSld>
+  <p:clrMapOvr>
+    <a:masterClrMapping/>
+  </p:clrMapOvr>
+</p:sld>
+</file>
+
+<file path=ppt/slides/slide19.xml><?xml version="1.0" encoding="utf-8"?>
 <p:sld xmlns:a="http://schemas.openxmlformats.org/drawingml/2006/main" xmlns:r="http://schemas.openxmlformats.org/officeDocument/2006/relationships" xmlns:p="http://schemas.openxmlformats.org/presentationml/2006/main">
   <p:cSld>
     <p:spTree>
@@ -8943,81 +10547,69 @@
           <a:p>
             <a:pPr lvl="1"/>
             <a:r>
+              <a:rPr lang="en-US" dirty="0"/>
+              <a:t>Reduce complexity</a:t>
+            </a:r>
+          </a:p>
+          <a:p>
+            <a:pPr lvl="2"/>
+            <a:r>
+              <a:rPr lang="en-US" dirty="0"/>
+              <a:t>Lowercase</a:t>
+            </a:r>
+          </a:p>
+          <a:p>
+            <a:pPr lvl="2"/>
+            <a:r>
+              <a:rPr lang="en-US" dirty="0"/>
+              <a:t>Remove punctuation</a:t>
+            </a:r>
+          </a:p>
+          <a:p>
+            <a:pPr lvl="2"/>
+            <a:r>
+              <a:rPr lang="en-US" dirty="0"/>
+              <a:t>Remove stop words</a:t>
+            </a:r>
+          </a:p>
+          <a:p>
+            <a:pPr lvl="2"/>
+            <a:r>
+              <a:rPr lang="en-US" dirty="0"/>
+              <a:t>Create equivalence classes</a:t>
+            </a:r>
+          </a:p>
+          <a:p>
+            <a:pPr lvl="2"/>
+            <a:r>
+              <a:rPr lang="en-US" dirty="0"/>
+              <a:t>Filter by frequency </a:t>
+            </a:r>
+          </a:p>
+          <a:p>
+            <a:pPr lvl="1"/>
+            <a:r>
               <a:rPr lang="en-US" dirty="0">
                 <a:solidFill>
                   <a:schemeClr val="accent4"/>
                 </a:solidFill>
               </a:rPr>
-              <a:t>Reduce complexity (think about this as reducing noise)</a:t>
-            </a:r>
-          </a:p>
-          <a:p>
-            <a:pPr lvl="2"/>
+              <a:t>Create a document-feature matrix (</a:t>
+            </a:r>
+            <a:r>
+              <a:rPr lang="en-US" dirty="0" err="1">
+                <a:solidFill>
+                  <a:schemeClr val="accent4"/>
+                </a:solidFill>
+              </a:rPr>
+              <a:t>dfm</a:t>
+            </a:r>
             <a:r>
               <a:rPr lang="en-US" dirty="0">
                 <a:solidFill>
                   <a:schemeClr val="accent4"/>
                 </a:solidFill>
               </a:rPr>
-              <a:t>Lowercase</a:t>
-            </a:r>
-          </a:p>
-          <a:p>
-            <a:pPr lvl="2"/>
-            <a:r>
-              <a:rPr lang="en-US" dirty="0">
-                <a:solidFill>
-                  <a:schemeClr val="accent4"/>
-                </a:solidFill>
-              </a:rPr>
-              <a:t>Remove punctuation</a:t>
-            </a:r>
-          </a:p>
-          <a:p>
-            <a:pPr lvl="2"/>
-            <a:r>
-              <a:rPr lang="en-US" dirty="0">
-                <a:solidFill>
-                  <a:schemeClr val="accent4"/>
-                </a:solidFill>
-              </a:rPr>
-              <a:t>Remove stop words</a:t>
-            </a:r>
-          </a:p>
-          <a:p>
-            <a:pPr lvl="2"/>
-            <a:r>
-              <a:rPr lang="en-US" dirty="0">
-                <a:solidFill>
-                  <a:schemeClr val="accent4"/>
-                </a:solidFill>
-              </a:rPr>
-              <a:t>Create equivalence classes</a:t>
-            </a:r>
-          </a:p>
-          <a:p>
-            <a:pPr lvl="2"/>
-            <a:r>
-              <a:rPr lang="en-US" dirty="0">
-                <a:solidFill>
-                  <a:schemeClr val="accent4"/>
-                </a:solidFill>
-              </a:rPr>
-              <a:t>Filter by frequency </a:t>
-            </a:r>
-          </a:p>
-          <a:p>
-            <a:pPr lvl="1"/>
-            <a:r>
-              <a:rPr lang="en-US" dirty="0"/>
-              <a:t>Create a document-feature matrix (</a:t>
-            </a:r>
-            <a:r>
-              <a:rPr lang="en-US" dirty="0" err="1"/>
-              <a:t>dfm</a:t>
-            </a:r>
-            <a:r>
-              <a:rPr lang="en-US" dirty="0"/>
               <a:t>). </a:t>
             </a:r>
           </a:p>
@@ -9029,683 +10621,7 @@
     </p:spTree>
     <p:extLst>
       <p:ext uri="{BB962C8B-B14F-4D97-AF65-F5344CB8AC3E}">
-        <p14:creationId xmlns:p14="http://schemas.microsoft.com/office/powerpoint/2010/main" val="1573240928"/>
-      </p:ext>
-    </p:extLst>
-  </p:cSld>
-  <p:clrMapOvr>
-    <a:masterClrMapping/>
-  </p:clrMapOvr>
-</p:sld>
-</file>
-
-<file path=ppt/slides/slide15.xml><?xml version="1.0" encoding="utf-8"?>
-<p:sld xmlns:a="http://schemas.openxmlformats.org/drawingml/2006/main" xmlns:r="http://schemas.openxmlformats.org/officeDocument/2006/relationships" xmlns:p="http://schemas.openxmlformats.org/presentationml/2006/main">
-  <p:cSld>
-    <p:spTree>
-      <p:nvGrpSpPr>
-        <p:cNvPr id="1" name=""/>
-        <p:cNvGrpSpPr/>
-        <p:nvPr/>
-      </p:nvGrpSpPr>
-      <p:grpSpPr>
-        <a:xfrm>
-          <a:off x="0" y="0"/>
-          <a:ext cx="0" cy="0"/>
-          <a:chOff x="0" y="0"/>
-          <a:chExt cx="0" cy="0"/>
-        </a:xfrm>
-      </p:grpSpPr>
-      <p:sp>
-        <p:nvSpPr>
-          <p:cNvPr id="2" name="Title 1">
-            <a:extLst>
-              <a:ext uri="{FF2B5EF4-FFF2-40B4-BE49-F238E27FC236}">
-                <a16:creationId xmlns:a16="http://schemas.microsoft.com/office/drawing/2014/main" id="{3FB813B3-5A22-CBC6-6727-4B5A9661A91C}"/>
-              </a:ext>
-            </a:extLst>
-          </p:cNvPr>
-          <p:cNvSpPr>
-            <a:spLocks noGrp="1"/>
-          </p:cNvSpPr>
-          <p:nvPr>
-            <p:ph type="title"/>
-          </p:nvPr>
-        </p:nvSpPr>
-        <p:spPr/>
-        <p:txBody>
-          <a:bodyPr/>
-          <a:lstStyle/>
-          <a:p>
-            <a:endParaRPr lang="en-US"/>
-          </a:p>
-        </p:txBody>
-      </p:sp>
-      <p:sp>
-        <p:nvSpPr>
-          <p:cNvPr id="3" name="Content Placeholder 2">
-            <a:extLst>
-              <a:ext uri="{FF2B5EF4-FFF2-40B4-BE49-F238E27FC236}">
-                <a16:creationId xmlns:a16="http://schemas.microsoft.com/office/drawing/2014/main" id="{3982E04B-01F7-32FC-7A80-16F23519456B}"/>
-              </a:ext>
-            </a:extLst>
-          </p:cNvPr>
-          <p:cNvSpPr>
-            <a:spLocks noGrp="1"/>
-          </p:cNvSpPr>
-          <p:nvPr>
-            <p:ph idx="1"/>
-          </p:nvPr>
-        </p:nvSpPr>
-        <p:spPr/>
-        <p:txBody>
-          <a:bodyPr/>
-          <a:lstStyle/>
-          <a:p>
-            <a:r>
-              <a:rPr lang="en-US" dirty="0"/>
-              <a:t>For the computer, Boat != boat. For humans, Boat = boat. Thus, we first turn all the words to </a:t>
-            </a:r>
-            <a:r>
-              <a:rPr lang="en-US" dirty="0">
-                <a:solidFill>
-                  <a:schemeClr val="accent4"/>
-                </a:solidFill>
-              </a:rPr>
-              <a:t>lowercase</a:t>
-            </a:r>
-            <a:r>
-              <a:rPr lang="en-US" dirty="0"/>
-              <a:t>:</a:t>
-            </a:r>
-          </a:p>
-          <a:p>
-            <a:pPr lvl="1"/>
-            <a:r>
-              <a:rPr lang="en-US" dirty="0"/>
-              <a:t>“</a:t>
-            </a:r>
-            <a:r>
-              <a:rPr lang="en-US" dirty="0" err="1"/>
-              <a:t>i</a:t>
-            </a:r>
-            <a:r>
-              <a:rPr lang="en-US" dirty="0"/>
-              <a:t>”, “’”, “m”, ”stylish”, “,”, ”</a:t>
-            </a:r>
-            <a:r>
-              <a:rPr lang="en-US" dirty="0" err="1"/>
-              <a:t>glock</a:t>
-            </a:r>
-            <a:r>
-              <a:rPr lang="en-US" dirty="0"/>
-              <a:t>”, “tucked”, “,”, ”big”, “t”, ”-”, “shirt”, “</a:t>
-            </a:r>
-            <a:r>
-              <a:rPr lang="en-US" dirty="0" err="1"/>
-              <a:t>billie</a:t>
-            </a:r>
-            <a:r>
-              <a:rPr lang="en-US" dirty="0"/>
-              <a:t>”, “</a:t>
-            </a:r>
-            <a:r>
-              <a:rPr lang="en-US" dirty="0" err="1"/>
-              <a:t>eilish</a:t>
-            </a:r>
-            <a:r>
-              <a:rPr lang="en-US" dirty="0"/>
-              <a:t>”, “,”, “watch”, “on”, “my”, “wrist”, “,”, ”but”, ”</a:t>
-            </a:r>
-            <a:r>
-              <a:rPr lang="en-US" dirty="0" err="1"/>
-              <a:t>i</a:t>
-            </a:r>
-            <a:r>
-              <a:rPr lang="en-US" dirty="0"/>
-              <a:t>”, “want”, ”that”, “in”, “diamonds”, “.” </a:t>
-            </a:r>
-          </a:p>
-          <a:p>
-            <a:pPr lvl="1"/>
-            <a:endParaRPr lang="en-US" dirty="0"/>
-          </a:p>
-        </p:txBody>
-      </p:sp>
-    </p:spTree>
-    <p:extLst>
-      <p:ext uri="{BB962C8B-B14F-4D97-AF65-F5344CB8AC3E}">
-        <p14:creationId xmlns:p14="http://schemas.microsoft.com/office/powerpoint/2010/main" val="529792731"/>
-      </p:ext>
-    </p:extLst>
-  </p:cSld>
-  <p:clrMapOvr>
-    <a:masterClrMapping/>
-  </p:clrMapOvr>
-</p:sld>
-</file>
-
-<file path=ppt/slides/slide16.xml><?xml version="1.0" encoding="utf-8"?>
-<p:sld xmlns:a="http://schemas.openxmlformats.org/drawingml/2006/main" xmlns:r="http://schemas.openxmlformats.org/officeDocument/2006/relationships" xmlns:p="http://schemas.openxmlformats.org/presentationml/2006/main">
-  <p:cSld>
-    <p:spTree>
-      <p:nvGrpSpPr>
-        <p:cNvPr id="1" name=""/>
-        <p:cNvGrpSpPr/>
-        <p:nvPr/>
-      </p:nvGrpSpPr>
-      <p:grpSpPr>
-        <a:xfrm>
-          <a:off x="0" y="0"/>
-          <a:ext cx="0" cy="0"/>
-          <a:chOff x="0" y="0"/>
-          <a:chExt cx="0" cy="0"/>
-        </a:xfrm>
-      </p:grpSpPr>
-      <p:sp>
-        <p:nvSpPr>
-          <p:cNvPr id="2" name="Title 1">
-            <a:extLst>
-              <a:ext uri="{FF2B5EF4-FFF2-40B4-BE49-F238E27FC236}">
-                <a16:creationId xmlns:a16="http://schemas.microsoft.com/office/drawing/2014/main" id="{8A2B3261-C193-2C5C-84EF-BF9E5BA09AFF}"/>
-              </a:ext>
-            </a:extLst>
-          </p:cNvPr>
-          <p:cNvSpPr>
-            <a:spLocks noGrp="1"/>
-          </p:cNvSpPr>
-          <p:nvPr>
-            <p:ph type="title"/>
-          </p:nvPr>
-        </p:nvSpPr>
-        <p:spPr/>
-        <p:txBody>
-          <a:bodyPr/>
-          <a:lstStyle/>
-          <a:p>
-            <a:endParaRPr lang="en-US"/>
-          </a:p>
-        </p:txBody>
-      </p:sp>
-      <p:sp>
-        <p:nvSpPr>
-          <p:cNvPr id="3" name="Content Placeholder 2">
-            <a:extLst>
-              <a:ext uri="{FF2B5EF4-FFF2-40B4-BE49-F238E27FC236}">
-                <a16:creationId xmlns:a16="http://schemas.microsoft.com/office/drawing/2014/main" id="{A0F81B67-9C39-E3DB-1FEF-606DFF0F30B5}"/>
-              </a:ext>
-            </a:extLst>
-          </p:cNvPr>
-          <p:cNvSpPr>
-            <a:spLocks noGrp="1"/>
-          </p:cNvSpPr>
-          <p:nvPr>
-            <p:ph idx="1"/>
-          </p:nvPr>
-        </p:nvSpPr>
-        <p:spPr/>
-        <p:txBody>
-          <a:bodyPr/>
-          <a:lstStyle/>
-          <a:p>
-            <a:r>
-              <a:rPr lang="en-US" dirty="0"/>
-              <a:t>Since we are not analyzing tokens in context, we </a:t>
-            </a:r>
-            <a:r>
-              <a:rPr lang="en-US" dirty="0">
-                <a:solidFill>
-                  <a:schemeClr val="accent4"/>
-                </a:solidFill>
-              </a:rPr>
-              <a:t>remove punctuation</a:t>
-            </a:r>
-            <a:r>
-              <a:rPr lang="en-US" dirty="0"/>
-              <a:t>:</a:t>
-            </a:r>
-          </a:p>
-          <a:p>
-            <a:pPr lvl="1"/>
-            <a:r>
-              <a:rPr lang="en-US" dirty="0"/>
-              <a:t>“</a:t>
-            </a:r>
-            <a:r>
-              <a:rPr lang="en-US" dirty="0" err="1"/>
-              <a:t>i</a:t>
-            </a:r>
-            <a:r>
-              <a:rPr lang="en-US" dirty="0"/>
-              <a:t>”, “m”, ”stylish”, ”</a:t>
-            </a:r>
-            <a:r>
-              <a:rPr lang="en-US" dirty="0" err="1"/>
-              <a:t>glock</a:t>
-            </a:r>
-            <a:r>
-              <a:rPr lang="en-US" dirty="0"/>
-              <a:t>”, “tucked”, ”big”, “t”, “shirt”, “</a:t>
-            </a:r>
-            <a:r>
-              <a:rPr lang="en-US" dirty="0" err="1"/>
-              <a:t>billie</a:t>
-            </a:r>
-            <a:r>
-              <a:rPr lang="en-US" dirty="0"/>
-              <a:t>”, “</a:t>
-            </a:r>
-            <a:r>
-              <a:rPr lang="en-US" dirty="0" err="1"/>
-              <a:t>eilish</a:t>
-            </a:r>
-            <a:r>
-              <a:rPr lang="en-US" dirty="0"/>
-              <a:t>”, “watch”, “on”, “my”, “wrist”, ”but”, ”</a:t>
-            </a:r>
-            <a:r>
-              <a:rPr lang="en-US" dirty="0" err="1"/>
-              <a:t>i</a:t>
-            </a:r>
-            <a:r>
-              <a:rPr lang="en-US" dirty="0"/>
-              <a:t>”, “want”, ”that”, “in”, “diamonds”</a:t>
-            </a:r>
-          </a:p>
-          <a:p>
-            <a:endParaRPr lang="en-US" dirty="0"/>
-          </a:p>
-        </p:txBody>
-      </p:sp>
-    </p:spTree>
-    <p:extLst>
-      <p:ext uri="{BB962C8B-B14F-4D97-AF65-F5344CB8AC3E}">
-        <p14:creationId xmlns:p14="http://schemas.microsoft.com/office/powerpoint/2010/main" val="4049513003"/>
-      </p:ext>
-    </p:extLst>
-  </p:cSld>
-  <p:clrMapOvr>
-    <a:masterClrMapping/>
-  </p:clrMapOvr>
-</p:sld>
-</file>
-
-<file path=ppt/slides/slide17.xml><?xml version="1.0" encoding="utf-8"?>
-<p:sld xmlns:a="http://schemas.openxmlformats.org/drawingml/2006/main" xmlns:r="http://schemas.openxmlformats.org/officeDocument/2006/relationships" xmlns:p="http://schemas.openxmlformats.org/presentationml/2006/main">
-  <p:cSld>
-    <p:spTree>
-      <p:nvGrpSpPr>
-        <p:cNvPr id="1" name=""/>
-        <p:cNvGrpSpPr/>
-        <p:nvPr/>
-      </p:nvGrpSpPr>
-      <p:grpSpPr>
-        <a:xfrm>
-          <a:off x="0" y="0"/>
-          <a:ext cx="0" cy="0"/>
-          <a:chOff x="0" y="0"/>
-          <a:chExt cx="0" cy="0"/>
-        </a:xfrm>
-      </p:grpSpPr>
-      <p:sp>
-        <p:nvSpPr>
-          <p:cNvPr id="2" name="Title 1">
-            <a:extLst>
-              <a:ext uri="{FF2B5EF4-FFF2-40B4-BE49-F238E27FC236}">
-                <a16:creationId xmlns:a16="http://schemas.microsoft.com/office/drawing/2014/main" id="{123F7FF7-6FFB-1C67-BBCD-31EF3EA1AB61}"/>
-              </a:ext>
-            </a:extLst>
-          </p:cNvPr>
-          <p:cNvSpPr>
-            <a:spLocks noGrp="1"/>
-          </p:cNvSpPr>
-          <p:nvPr>
-            <p:ph type="title"/>
-          </p:nvPr>
-        </p:nvSpPr>
-        <p:spPr/>
-        <p:txBody>
-          <a:bodyPr/>
-          <a:lstStyle/>
-          <a:p>
-            <a:endParaRPr lang="en-US"/>
-          </a:p>
-        </p:txBody>
-      </p:sp>
-      <p:sp>
-        <p:nvSpPr>
-          <p:cNvPr id="3" name="Content Placeholder 2">
-            <a:extLst>
-              <a:ext uri="{FF2B5EF4-FFF2-40B4-BE49-F238E27FC236}">
-                <a16:creationId xmlns:a16="http://schemas.microsoft.com/office/drawing/2014/main" id="{42240197-82B5-C339-1C03-D27E8D33DBA3}"/>
-              </a:ext>
-            </a:extLst>
-          </p:cNvPr>
-          <p:cNvSpPr>
-            <a:spLocks noGrp="1"/>
-          </p:cNvSpPr>
-          <p:nvPr>
-            <p:ph idx="1"/>
-          </p:nvPr>
-        </p:nvSpPr>
-        <p:spPr/>
-        <p:txBody>
-          <a:bodyPr/>
-          <a:lstStyle/>
-          <a:p>
-            <a:r>
-              <a:rPr lang="en-US" dirty="0">
-                <a:solidFill>
-                  <a:schemeClr val="accent4"/>
-                </a:solidFill>
-              </a:rPr>
-              <a:t>Stop words </a:t>
-            </a:r>
-            <a:r>
-              <a:rPr lang="en-US" dirty="0"/>
-              <a:t>are common words used across documents that (most of the time) do not give much information about the task at hand. </a:t>
-            </a:r>
-          </a:p>
-          <a:p>
-            <a:pPr lvl="1"/>
-            <a:r>
-              <a:rPr lang="en-US" dirty="0"/>
-              <a:t>In English, words like ”and”, “the”, and “a” may be removed from the documents to reduce the size and complexity of the feature set.</a:t>
-            </a:r>
-          </a:p>
-          <a:p>
-            <a:pPr lvl="1"/>
-            <a:endParaRPr lang="en-US" dirty="0"/>
-          </a:p>
-          <a:p>
-            <a:pPr lvl="1"/>
-            <a:r>
-              <a:rPr lang="en-US" dirty="0"/>
-              <a:t>“m”, ”stylish”, ”</a:t>
-            </a:r>
-            <a:r>
-              <a:rPr lang="en-US" dirty="0" err="1"/>
-              <a:t>glock</a:t>
-            </a:r>
-            <a:r>
-              <a:rPr lang="en-US" dirty="0"/>
-              <a:t>”, “tucked”, ”big”, “t”, “shirt”, “</a:t>
-            </a:r>
-            <a:r>
-              <a:rPr lang="en-US" dirty="0" err="1"/>
-              <a:t>billie</a:t>
-            </a:r>
-            <a:r>
-              <a:rPr lang="en-US" dirty="0"/>
-              <a:t>”, “</a:t>
-            </a:r>
-            <a:r>
-              <a:rPr lang="en-US" dirty="0" err="1"/>
-              <a:t>eilish</a:t>
-            </a:r>
-            <a:r>
-              <a:rPr lang="en-US" dirty="0"/>
-              <a:t>”, “watch”, “wrist”, “diamonds”</a:t>
-            </a:r>
-          </a:p>
-          <a:p>
-            <a:pPr lvl="1"/>
-            <a:endParaRPr lang="en-US" dirty="0"/>
-          </a:p>
-          <a:p>
-            <a:pPr lvl="1"/>
-            <a:endParaRPr lang="en-US" dirty="0"/>
-          </a:p>
-        </p:txBody>
-      </p:sp>
-    </p:spTree>
-    <p:extLst>
-      <p:ext uri="{BB962C8B-B14F-4D97-AF65-F5344CB8AC3E}">
-        <p14:creationId xmlns:p14="http://schemas.microsoft.com/office/powerpoint/2010/main" val="700881489"/>
-      </p:ext>
-    </p:extLst>
-  </p:cSld>
-  <p:clrMapOvr>
-    <a:masterClrMapping/>
-  </p:clrMapOvr>
-</p:sld>
-</file>
-
-<file path=ppt/slides/slide18.xml><?xml version="1.0" encoding="utf-8"?>
-<p:sld xmlns:a="http://schemas.openxmlformats.org/drawingml/2006/main" xmlns:r="http://schemas.openxmlformats.org/officeDocument/2006/relationships" xmlns:p="http://schemas.openxmlformats.org/presentationml/2006/main">
-  <p:cSld>
-    <p:spTree>
-      <p:nvGrpSpPr>
-        <p:cNvPr id="1" name=""/>
-        <p:cNvGrpSpPr/>
-        <p:nvPr/>
-      </p:nvGrpSpPr>
-      <p:grpSpPr>
-        <a:xfrm>
-          <a:off x="0" y="0"/>
-          <a:ext cx="0" cy="0"/>
-          <a:chOff x="0" y="0"/>
-          <a:chExt cx="0" cy="0"/>
-        </a:xfrm>
-      </p:grpSpPr>
-      <p:sp>
-        <p:nvSpPr>
-          <p:cNvPr id="2" name="Title 1">
-            <a:extLst>
-              <a:ext uri="{FF2B5EF4-FFF2-40B4-BE49-F238E27FC236}">
-                <a16:creationId xmlns:a16="http://schemas.microsoft.com/office/drawing/2014/main" id="{124989C4-3786-AC3F-64CE-6E4141118EDD}"/>
-              </a:ext>
-            </a:extLst>
-          </p:cNvPr>
-          <p:cNvSpPr>
-            <a:spLocks noGrp="1"/>
-          </p:cNvSpPr>
-          <p:nvPr>
-            <p:ph type="title"/>
-          </p:nvPr>
-        </p:nvSpPr>
-        <p:spPr/>
-        <p:txBody>
-          <a:bodyPr/>
-          <a:lstStyle/>
-          <a:p>
-            <a:endParaRPr lang="en-US"/>
-          </a:p>
-        </p:txBody>
-      </p:sp>
-      <p:sp>
-        <p:nvSpPr>
-          <p:cNvPr id="3" name="Content Placeholder 2">
-            <a:extLst>
-              <a:ext uri="{FF2B5EF4-FFF2-40B4-BE49-F238E27FC236}">
-                <a16:creationId xmlns:a16="http://schemas.microsoft.com/office/drawing/2014/main" id="{0B1B1489-4069-689A-5E31-994FCF736796}"/>
-              </a:ext>
-            </a:extLst>
-          </p:cNvPr>
-          <p:cNvSpPr>
-            <a:spLocks noGrp="1"/>
-          </p:cNvSpPr>
-          <p:nvPr>
-            <p:ph idx="1"/>
-          </p:nvPr>
-        </p:nvSpPr>
-        <p:spPr/>
-        <p:txBody>
-          <a:bodyPr/>
-          <a:lstStyle/>
-          <a:p>
-            <a:r>
-              <a:rPr lang="en-US" dirty="0"/>
-              <a:t>For computers, cars != car. For humans, cars = car. For computers, read != reads != reading. For humans, read = reads = reading. Thus, to maintain the root of a word, we can </a:t>
-            </a:r>
-            <a:r>
-              <a:rPr lang="en-US" dirty="0">
-                <a:solidFill>
-                  <a:schemeClr val="accent4"/>
-                </a:solidFill>
-              </a:rPr>
-              <a:t>stem</a:t>
-            </a:r>
-            <a:r>
-              <a:rPr lang="en-US" dirty="0"/>
-              <a:t>. It might look something like this:</a:t>
-            </a:r>
-          </a:p>
-          <a:p>
-            <a:endParaRPr lang="en-US" dirty="0"/>
-          </a:p>
-          <a:p>
-            <a:pPr lvl="1"/>
-            <a:r>
-              <a:rPr lang="en-US" dirty="0"/>
-              <a:t> “m”, ”style”, ”</a:t>
-            </a:r>
-            <a:r>
-              <a:rPr lang="en-US" dirty="0" err="1"/>
-              <a:t>glock</a:t>
-            </a:r>
-            <a:r>
-              <a:rPr lang="en-US" dirty="0"/>
-              <a:t>”, “tuck”, ”big”, “t”, “shirt”, “</a:t>
-            </a:r>
-            <a:r>
-              <a:rPr lang="en-US" dirty="0" err="1"/>
-              <a:t>billie</a:t>
-            </a:r>
-            <a:r>
-              <a:rPr lang="en-US" dirty="0"/>
-              <a:t>”, “</a:t>
-            </a:r>
-            <a:r>
-              <a:rPr lang="en-US" dirty="0" err="1"/>
-              <a:t>eilish</a:t>
-            </a:r>
-            <a:r>
-              <a:rPr lang="en-US" dirty="0"/>
-              <a:t>”, “watch”, “wrist”, “diamond”</a:t>
-            </a:r>
-          </a:p>
-          <a:p>
-            <a:pPr lvl="1"/>
-            <a:endParaRPr lang="en-US" dirty="0"/>
-          </a:p>
-        </p:txBody>
-      </p:sp>
-    </p:spTree>
-    <p:extLst>
-      <p:ext uri="{BB962C8B-B14F-4D97-AF65-F5344CB8AC3E}">
-        <p14:creationId xmlns:p14="http://schemas.microsoft.com/office/powerpoint/2010/main" val="2543339323"/>
-      </p:ext>
-    </p:extLst>
-  </p:cSld>
-  <p:clrMapOvr>
-    <a:masterClrMapping/>
-  </p:clrMapOvr>
-</p:sld>
-</file>
-
-<file path=ppt/slides/slide19.xml><?xml version="1.0" encoding="utf-8"?>
-<p:sld xmlns:a="http://schemas.openxmlformats.org/drawingml/2006/main" xmlns:r="http://schemas.openxmlformats.org/officeDocument/2006/relationships" xmlns:p="http://schemas.openxmlformats.org/presentationml/2006/main">
-  <p:cSld>
-    <p:spTree>
-      <p:nvGrpSpPr>
-        <p:cNvPr id="1" name=""/>
-        <p:cNvGrpSpPr/>
-        <p:nvPr/>
-      </p:nvGrpSpPr>
-      <p:grpSpPr>
-        <a:xfrm>
-          <a:off x="0" y="0"/>
-          <a:ext cx="0" cy="0"/>
-          <a:chOff x="0" y="0"/>
-          <a:chExt cx="0" cy="0"/>
-        </a:xfrm>
-      </p:grpSpPr>
-      <p:sp>
-        <p:nvSpPr>
-          <p:cNvPr id="2" name="Title 1">
-            <a:extLst>
-              <a:ext uri="{FF2B5EF4-FFF2-40B4-BE49-F238E27FC236}">
-                <a16:creationId xmlns:a16="http://schemas.microsoft.com/office/drawing/2014/main" id="{97D656D2-5288-EDE9-FE76-24D478998A0B}"/>
-              </a:ext>
-            </a:extLst>
-          </p:cNvPr>
-          <p:cNvSpPr>
-            <a:spLocks noGrp="1"/>
-          </p:cNvSpPr>
-          <p:nvPr>
-            <p:ph type="title"/>
-          </p:nvPr>
-        </p:nvSpPr>
-        <p:spPr/>
-        <p:txBody>
-          <a:bodyPr/>
-          <a:lstStyle/>
-          <a:p>
-            <a:endParaRPr lang="en-US"/>
-          </a:p>
-        </p:txBody>
-      </p:sp>
-      <p:sp>
-        <p:nvSpPr>
-          <p:cNvPr id="3" name="Content Placeholder 2">
-            <a:extLst>
-              <a:ext uri="{FF2B5EF4-FFF2-40B4-BE49-F238E27FC236}">
-                <a16:creationId xmlns:a16="http://schemas.microsoft.com/office/drawing/2014/main" id="{BE327A58-FD31-8495-3218-1F4EDA042A77}"/>
-              </a:ext>
-            </a:extLst>
-          </p:cNvPr>
-          <p:cNvSpPr>
-            <a:spLocks noGrp="1"/>
-          </p:cNvSpPr>
-          <p:nvPr>
-            <p:ph idx="1"/>
-          </p:nvPr>
-        </p:nvSpPr>
-        <p:spPr/>
-        <p:txBody>
-          <a:bodyPr/>
-          <a:lstStyle/>
-          <a:p>
-            <a:r>
-              <a:rPr lang="en-US" dirty="0"/>
-              <a:t>Finally, there are some tokens that either occur too much or occur too little for them to be relevant to the analysis yet can affect future modelling. </a:t>
-            </a:r>
-          </a:p>
-          <a:p>
-            <a:r>
-              <a:rPr lang="en-US" dirty="0"/>
-              <a:t>For example, in a corpus of Canadian laws, the tokens ”</a:t>
-            </a:r>
-            <a:r>
-              <a:rPr lang="en-US" dirty="0" err="1"/>
-              <a:t>canada</a:t>
-            </a:r>
-            <a:r>
-              <a:rPr lang="en-US" dirty="0"/>
-              <a:t>” and “law” will probably be quite common </a:t>
-            </a:r>
-            <a:r>
-              <a:rPr lang="en-US" i="1" dirty="0"/>
-              <a:t>and</a:t>
-            </a:r>
-            <a:r>
-              <a:rPr lang="en-US" dirty="0"/>
-              <a:t> quite uninformative. </a:t>
-            </a:r>
-          </a:p>
-          <a:p>
-            <a:r>
-              <a:rPr lang="en-US" dirty="0"/>
-              <a:t>Likewise, tokens that only appear once (or not often) in large corpora are unlikely to be useful.  </a:t>
-            </a:r>
-          </a:p>
-        </p:txBody>
-      </p:sp>
-    </p:spTree>
-    <p:extLst>
-      <p:ext uri="{BB962C8B-B14F-4D97-AF65-F5344CB8AC3E}">
-        <p14:creationId xmlns:p14="http://schemas.microsoft.com/office/powerpoint/2010/main" val="3500565542"/>
+        <p14:creationId xmlns:p14="http://schemas.microsoft.com/office/powerpoint/2010/main" val="400062692"/>
       </p:ext>
     </p:extLst>
   </p:cSld>
@@ -9737,93 +10653,7 @@
           <p:cNvPr id="2" name="Title 1">
             <a:extLst>
               <a:ext uri="{FF2B5EF4-FFF2-40B4-BE49-F238E27FC236}">
-                <a16:creationId xmlns:a16="http://schemas.microsoft.com/office/drawing/2014/main" id="{BD717BFB-4465-1173-70A1-D9790CB2CBBD}"/>
-              </a:ext>
-            </a:extLst>
-          </p:cNvPr>
-          <p:cNvSpPr>
-            <a:spLocks noGrp="1"/>
-          </p:cNvSpPr>
-          <p:nvPr>
-            <p:ph type="ctrTitle"/>
-          </p:nvPr>
-        </p:nvSpPr>
-        <p:spPr/>
-        <p:txBody>
-          <a:bodyPr/>
-          <a:lstStyle/>
-          <a:p>
-            <a:r>
-              <a:rPr lang="en-US" sz="8800" dirty="0"/>
-              <a:t>Tokenization and Word Frequency</a:t>
-            </a:r>
-          </a:p>
-        </p:txBody>
-      </p:sp>
-      <p:sp>
-        <p:nvSpPr>
-          <p:cNvPr id="3" name="Subtitle 2">
-            <a:extLst>
-              <a:ext uri="{FF2B5EF4-FFF2-40B4-BE49-F238E27FC236}">
-                <a16:creationId xmlns:a16="http://schemas.microsoft.com/office/drawing/2014/main" id="{0BB545C2-8580-B027-A1F2-6454EC8ECD39}"/>
-              </a:ext>
-            </a:extLst>
-          </p:cNvPr>
-          <p:cNvSpPr>
-            <a:spLocks noGrp="1"/>
-          </p:cNvSpPr>
-          <p:nvPr>
-            <p:ph type="subTitle" idx="1"/>
-          </p:nvPr>
-        </p:nvSpPr>
-        <p:spPr/>
-        <p:txBody>
-          <a:bodyPr/>
-          <a:lstStyle/>
-          <a:p>
-            <a:r>
-              <a:rPr lang="en-US" dirty="0"/>
-              <a:t>Prof. Sebastián Vallejo Vera</a:t>
-            </a:r>
-          </a:p>
-        </p:txBody>
-      </p:sp>
-    </p:spTree>
-    <p:extLst>
-      <p:ext uri="{BB962C8B-B14F-4D97-AF65-F5344CB8AC3E}">
-        <p14:creationId xmlns:p14="http://schemas.microsoft.com/office/powerpoint/2010/main" val="2990253051"/>
-      </p:ext>
-    </p:extLst>
-  </p:cSld>
-  <p:clrMapOvr>
-    <a:masterClrMapping/>
-  </p:clrMapOvr>
-</p:sld>
-</file>
-
-<file path=ppt/slides/slide20.xml><?xml version="1.0" encoding="utf-8"?>
-<p:sld xmlns:a="http://schemas.openxmlformats.org/drawingml/2006/main" xmlns:r="http://schemas.openxmlformats.org/officeDocument/2006/relationships" xmlns:p="http://schemas.openxmlformats.org/presentationml/2006/main">
-  <p:cSld>
-    <p:spTree>
-      <p:nvGrpSpPr>
-        <p:cNvPr id="1" name=""/>
-        <p:cNvGrpSpPr/>
-        <p:nvPr/>
-      </p:nvGrpSpPr>
-      <p:grpSpPr>
-        <a:xfrm>
-          <a:off x="0" y="0"/>
-          <a:ext cx="0" cy="0"/>
-          <a:chOff x="0" y="0"/>
-          <a:chExt cx="0" cy="0"/>
-        </a:xfrm>
-      </p:grpSpPr>
-      <p:sp>
-        <p:nvSpPr>
-          <p:cNvPr id="2" name="Title 1">
-            <a:extLst>
-              <a:ext uri="{FF2B5EF4-FFF2-40B4-BE49-F238E27FC236}">
-                <a16:creationId xmlns:a16="http://schemas.microsoft.com/office/drawing/2014/main" id="{51E05328-C6FC-E347-E29C-83C000B79B61}"/>
+                <a16:creationId xmlns:a16="http://schemas.microsoft.com/office/drawing/2014/main" id="{22C37DDF-BB99-7322-A291-273F5F220952}"/>
               </a:ext>
             </a:extLst>
           </p:cNvPr>
@@ -9839,7 +10669,10 @@
           <a:bodyPr/>
           <a:lstStyle/>
           <a:p>
-            <a:endParaRPr lang="en-US"/>
+            <a:r>
+              <a:rPr lang="en-US" dirty="0"/>
+              <a:t>Glossary </a:t>
+            </a:r>
           </a:p>
         </p:txBody>
       </p:sp>
@@ -9848,7 +10681,7 @@
           <p:cNvPr id="3" name="Content Placeholder 2">
             <a:extLst>
               <a:ext uri="{FF2B5EF4-FFF2-40B4-BE49-F238E27FC236}">
-                <a16:creationId xmlns:a16="http://schemas.microsoft.com/office/drawing/2014/main" id="{5DDF65F6-C8B0-19F6-3BD6-54AF35316E4B}"/>
+                <a16:creationId xmlns:a16="http://schemas.microsoft.com/office/drawing/2014/main" id="{EEDE7C6F-8518-71B5-974E-2A707B423FC0}"/>
               </a:ext>
             </a:extLst>
           </p:cNvPr>
@@ -9866,87 +10699,27 @@
           <a:p>
             <a:r>
               <a:rPr lang="en-US" dirty="0"/>
-              <a:t>According to Grimmer et al. (2022), in addition to tokenization we need:</a:t>
-            </a:r>
-          </a:p>
-          <a:p>
-            <a:pPr lvl="1"/>
+              <a:t>Token = Word</a:t>
+            </a:r>
+          </a:p>
+          <a:p>
             <a:r>
               <a:rPr lang="en-US" dirty="0"/>
-              <a:t>Reduce complexity</a:t>
-            </a:r>
-          </a:p>
-          <a:p>
-            <a:pPr lvl="2"/>
+              <a:t>Document = Collection of Tokens</a:t>
+            </a:r>
+          </a:p>
+          <a:p>
             <a:r>
               <a:rPr lang="en-US" dirty="0"/>
-              <a:t>Lowercase</a:t>
-            </a:r>
-          </a:p>
-          <a:p>
-            <a:pPr lvl="2"/>
-            <a:r>
-              <a:rPr lang="en-US" dirty="0"/>
-              <a:t>Remove punctuation</a:t>
-            </a:r>
-          </a:p>
-          <a:p>
-            <a:pPr lvl="2"/>
-            <a:r>
-              <a:rPr lang="en-US" dirty="0"/>
-              <a:t>Remove stop words</a:t>
-            </a:r>
-          </a:p>
-          <a:p>
-            <a:pPr lvl="2"/>
-            <a:r>
-              <a:rPr lang="en-US" dirty="0"/>
-              <a:t>Create equivalence classes</a:t>
-            </a:r>
-          </a:p>
-          <a:p>
-            <a:pPr lvl="2"/>
-            <a:r>
-              <a:rPr lang="en-US" dirty="0"/>
-              <a:t>Filter by frequency </a:t>
-            </a:r>
-          </a:p>
-          <a:p>
-            <a:pPr lvl="1"/>
-            <a:r>
-              <a:rPr lang="en-US" dirty="0">
-                <a:solidFill>
-                  <a:schemeClr val="accent4"/>
-                </a:solidFill>
-              </a:rPr>
-              <a:t>Create a document-feature matrix (</a:t>
-            </a:r>
-            <a:r>
-              <a:rPr lang="en-US" dirty="0" err="1">
-                <a:solidFill>
-                  <a:schemeClr val="accent4"/>
-                </a:solidFill>
-              </a:rPr>
-              <a:t>dfm</a:t>
-            </a:r>
-            <a:r>
-              <a:rPr lang="en-US" dirty="0">
-                <a:solidFill>
-                  <a:schemeClr val="accent4"/>
-                </a:solidFill>
-              </a:rPr>
-              <a:t>). </a:t>
-            </a:r>
-          </a:p>
-          <a:p>
-            <a:endParaRPr lang="en-US" dirty="0"/>
+              <a:t>Corpus = Collection of Documents</a:t>
+            </a:r>
           </a:p>
         </p:txBody>
       </p:sp>
     </p:spTree>
     <p:extLst>
       <p:ext uri="{BB962C8B-B14F-4D97-AF65-F5344CB8AC3E}">
-        <p14:creationId xmlns:p14="http://schemas.microsoft.com/office/powerpoint/2010/main" val="400062692"/>
+        <p14:creationId xmlns:p14="http://schemas.microsoft.com/office/powerpoint/2010/main" val="2334258681"/>
       </p:ext>
     </p:extLst>
   </p:cSld>
@@ -9956,7 +10729,7 @@
 </p:sld>
 </file>
 
-<file path=ppt/slides/slide21.xml><?xml version="1.0" encoding="utf-8"?>
+<file path=ppt/slides/slide20.xml><?xml version="1.0" encoding="utf-8"?>
 <p:sld xmlns:a="http://schemas.openxmlformats.org/drawingml/2006/main" xmlns:r="http://schemas.openxmlformats.org/officeDocument/2006/relationships" xmlns:p="http://schemas.openxmlformats.org/presentationml/2006/main">
   <p:cSld>
     <p:spTree>
@@ -10027,37 +10800,7 @@
           <a:p>
             <a:r>
               <a:rPr lang="en-US" dirty="0"/>
-              <a:t>Text 1: “m”, ”style”, ”</a:t>
-            </a:r>
-            <a:r>
-              <a:rPr lang="en-US" dirty="0" err="1"/>
-              <a:t>glock</a:t>
-            </a:r>
-            <a:r>
-              <a:rPr lang="en-US" dirty="0"/>
-              <a:t>”, “tuck”, ”big”, “t”, “shirt”, “</a:t>
-            </a:r>
-            <a:r>
-              <a:rPr lang="en-US" dirty="0" err="1"/>
-              <a:t>billie</a:t>
-            </a:r>
-            <a:r>
-              <a:rPr lang="en-US" dirty="0"/>
-              <a:t>”, “</a:t>
-            </a:r>
-            <a:r>
-              <a:rPr lang="en-US" dirty="0" err="1"/>
-              <a:t>eilish</a:t>
-            </a:r>
-            <a:r>
-              <a:rPr lang="en-US" dirty="0"/>
-              <a:t>”, “watch”, “wrist”, “diamond”</a:t>
-            </a:r>
-          </a:p>
-          <a:p>
-            <a:r>
-              <a:rPr lang="en-US" dirty="0"/>
-              <a:t>Text 2: “m”, ”type”, ”turn”, “detective”, ”got”, “phone”, “barely”, “check”, “</a:t>
+              <a:t>Text 1: “First off fuck Dolce &amp; Gabbana (fuck '</a:t>
             </a:r>
             <a:r>
               <a:rPr lang="en-US" dirty="0" err="1"/>
@@ -10065,7 +10808,85 @@
             </a:r>
             <a:r>
               <a:rPr lang="en-US" dirty="0"/>
-              <a:t>”</a:t>
+              <a:t>, fuck '</a:t>
+            </a:r>
+            <a:r>
+              <a:rPr lang="en-US" dirty="0" err="1"/>
+              <a:t>em</a:t>
+            </a:r>
+            <a:r>
+              <a:rPr lang="en-US" dirty="0"/>
+              <a:t>). Racist </a:t>
+            </a:r>
+            <a:r>
+              <a:rPr lang="en-US" dirty="0" err="1"/>
+              <a:t>mothersuckers</a:t>
+            </a:r>
+            <a:r>
+              <a:rPr lang="en-US" dirty="0"/>
+              <a:t> </a:t>
+            </a:r>
+            <a:r>
+              <a:rPr lang="en-US" dirty="0" err="1"/>
+              <a:t>tryna</a:t>
+            </a:r>
+            <a:r>
+              <a:rPr lang="en-US" dirty="0"/>
+              <a:t> be my </a:t>
+            </a:r>
+            <a:r>
+              <a:rPr lang="en-US" dirty="0" err="1"/>
+              <a:t>pana</a:t>
+            </a:r>
+            <a:r>
+              <a:rPr lang="en-US" dirty="0"/>
+              <a:t> (</a:t>
+            </a:r>
+            <a:r>
+              <a:rPr lang="en-US" dirty="0" err="1"/>
+              <a:t>pana</a:t>
+            </a:r>
+            <a:r>
+              <a:rPr lang="en-US" dirty="0"/>
+              <a:t>, </a:t>
+            </a:r>
+            <a:r>
+              <a:rPr lang="en-US" dirty="0" err="1"/>
+              <a:t>pana</a:t>
+            </a:r>
+            <a:r>
+              <a:rPr lang="en-US" dirty="0"/>
+              <a:t>). Put that on me auntie and me mama, grab the Ghost then I go right back to Ghana”</a:t>
+            </a:r>
+          </a:p>
+          <a:p>
+            <a:r>
+              <a:rPr lang="en-US" dirty="0"/>
+              <a:t>Text 2: “Skinny boy, skinny boy, where your muscles at? Used to walk to work, eight hours, take the bus back. </a:t>
+            </a:r>
+            <a:r>
+              <a:rPr lang="en-US" dirty="0" err="1"/>
+              <a:t>Ain’t</a:t>
+            </a:r>
+            <a:r>
+              <a:rPr lang="en-US" dirty="0"/>
+              <a:t> no time to stop, </a:t>
+            </a:r>
+            <a:r>
+              <a:rPr lang="en-US" dirty="0" err="1"/>
+              <a:t>ain’t</a:t>
+            </a:r>
+            <a:r>
+              <a:rPr lang="en-US" dirty="0"/>
+              <a:t> no time for vacation, y’all want my spot </a:t>
+            </a:r>
+            <a:r>
+              <a:rPr lang="en-US" dirty="0" err="1"/>
+              <a:t>‘cause</a:t>
+            </a:r>
+            <a:r>
+              <a:rPr lang="en-US" dirty="0"/>
+              <a:t> you know that I am A1.”</a:t>
             </a:r>
           </a:p>
           <a:p>
@@ -10088,13 +10909,13 @@
           <p:nvPr>
             <p:extLst>
               <p:ext uri="{D42A27DB-BD31-4B8C-83A1-F6EECF244321}">
-                <p14:modId xmlns:p14="http://schemas.microsoft.com/office/powerpoint/2010/main" val="4196244305"/>
+                <p14:modId xmlns:p14="http://schemas.microsoft.com/office/powerpoint/2010/main" val="603277243"/>
               </p:ext>
             </p:extLst>
           </p:nvPr>
         </p:nvGraphicFramePr>
         <p:xfrm>
-          <a:off x="1582305" y="4360949"/>
+          <a:off x="1582305" y="4935484"/>
           <a:ext cx="9027390" cy="1483360"/>
         </p:xfrm>
         <a:graphic>
@@ -10132,14 +10953,14 @@
                     </a:ext>
                   </a:extLst>
                 </a:gridCol>
-                <a:gridCol w="902739">
+                <a:gridCol w="1183263">
                   <a:extLst>
                     <a:ext uri="{9D8B030D-6E8A-4147-A177-3AD203B41FA5}">
                       <a16:colId xmlns:a16="http://schemas.microsoft.com/office/drawing/2014/main" val="438776741"/>
                     </a:ext>
                   </a:extLst>
                 </a:gridCol>
-                <a:gridCol w="902739">
+                <a:gridCol w="622215">
                   <a:extLst>
                     <a:ext uri="{9D8B030D-6E8A-4147-A177-3AD203B41FA5}">
                       <a16:colId xmlns:a16="http://schemas.microsoft.com/office/drawing/2014/main" val="1259551606"/>
@@ -10153,21 +10974,21 @@
                     </a:ext>
                   </a:extLst>
                 </a:gridCol>
-                <a:gridCol w="902739">
+                <a:gridCol w="1461007">
                   <a:extLst>
                     <a:ext uri="{9D8B030D-6E8A-4147-A177-3AD203B41FA5}">
                       <a16:colId xmlns:a16="http://schemas.microsoft.com/office/drawing/2014/main" val="519977561"/>
                     </a:ext>
                   </a:extLst>
                 </a:gridCol>
-                <a:gridCol w="902739">
+                <a:gridCol w="712099">
                   <a:extLst>
                     <a:ext uri="{9D8B030D-6E8A-4147-A177-3AD203B41FA5}">
                       <a16:colId xmlns:a16="http://schemas.microsoft.com/office/drawing/2014/main" val="4024016735"/>
                     </a:ext>
                   </a:extLst>
                 </a:gridCol>
-                <a:gridCol w="902739">
+                <a:gridCol w="535111">
                   <a:extLst>
                     <a:ext uri="{9D8B030D-6E8A-4147-A177-3AD203B41FA5}">
                       <a16:colId xmlns:a16="http://schemas.microsoft.com/office/drawing/2014/main" val="2506988658"/>
@@ -10307,7 +11128,7 @@
                     <a:p>
                       <a:r>
                         <a:rPr lang="en-US" dirty="0"/>
-                        <a:t>m</a:t>
+                        <a:t>first</a:t>
                       </a:r>
                     </a:p>
                   </a:txBody>
@@ -10320,7 +11141,7 @@
                     <a:p>
                       <a:r>
                         <a:rPr lang="en-US" dirty="0"/>
-                        <a:t>style</a:t>
+                        <a:t>fuck</a:t>
                       </a:r>
                     </a:p>
                   </a:txBody>
@@ -10333,7 +11154,35 @@
                     <a:p>
                       <a:r>
                         <a:rPr lang="en-US" dirty="0" err="1"/>
-                        <a:t>glock</a:t>
+                        <a:t>dolc</a:t>
+                      </a:r>
+                      <a:endParaRPr lang="en-US" dirty="0"/>
+                    </a:p>
+                  </a:txBody>
+                  <a:tcPr/>
+                </a:tc>
+                <a:tc>
+                  <a:txBody>
+                    <a:bodyPr/>
+                    <a:lstStyle/>
+                    <a:p>
+                      <a:r>
+                        <a:rPr lang="en-US" dirty="0" err="1"/>
+                        <a:t>gabbana</a:t>
+                      </a:r>
+                      <a:endParaRPr lang="en-US" dirty="0"/>
+                    </a:p>
+                  </a:txBody>
+                  <a:tcPr/>
+                </a:tc>
+                <a:tc>
+                  <a:txBody>
+                    <a:bodyPr/>
+                    <a:lstStyle/>
+                    <a:p>
+                      <a:r>
+                        <a:rPr lang="en-US" dirty="0" err="1"/>
+                        <a:t>em</a:t>
                       </a:r>
                       <a:endParaRPr lang="en-US" dirty="0"/>
                     </a:p>
@@ -10347,46 +11196,7 @@
                     <a:p>
                       <a:r>
                         <a:rPr lang="en-US" dirty="0"/>
-                        <a:t>tuck</a:t>
-                      </a:r>
-                    </a:p>
-                  </a:txBody>
-                  <a:tcPr/>
-                </a:tc>
-                <a:tc>
-                  <a:txBody>
-                    <a:bodyPr/>
-                    <a:lstStyle/>
-                    <a:p>
-                      <a:r>
-                        <a:rPr lang="en-US" dirty="0"/>
-                        <a:t>big</a:t>
-                      </a:r>
-                    </a:p>
-                  </a:txBody>
-                  <a:tcPr/>
-                </a:tc>
-                <a:tc>
-                  <a:txBody>
-                    <a:bodyPr/>
-                    <a:lstStyle/>
-                    <a:p>
-                      <a:r>
-                        <a:rPr lang="en-US" dirty="0"/>
-                        <a:t>t</a:t>
-                      </a:r>
-                    </a:p>
-                  </a:txBody>
-                  <a:tcPr/>
-                </a:tc>
-                <a:tc>
-                  <a:txBody>
-                    <a:bodyPr/>
-                    <a:lstStyle/>
-                    <a:p>
-                      <a:r>
-                        <a:rPr lang="en-US" dirty="0"/>
-                        <a:t>shirt</a:t>
+                        <a:t>racist</a:t>
                       </a:r>
                     </a:p>
                   </a:txBody>
@@ -10399,7 +11209,21 @@
                     <a:p>
                       <a:r>
                         <a:rPr lang="en-US" dirty="0" err="1"/>
-                        <a:t>billie</a:t>
+                        <a:t>mothersuck</a:t>
+                      </a:r>
+                      <a:endParaRPr lang="en-US" dirty="0"/>
+                    </a:p>
+                  </a:txBody>
+                  <a:tcPr/>
+                </a:tc>
+                <a:tc>
+                  <a:txBody>
+                    <a:bodyPr/>
+                    <a:lstStyle/>
+                    <a:p>
+                      <a:r>
+                        <a:rPr lang="en-US" dirty="0" err="1"/>
+                        <a:t>tryna</a:t>
                       </a:r>
                       <a:endParaRPr lang="en-US" dirty="0"/>
                     </a:p>
@@ -10459,7 +11283,7 @@
                     <a:p>
                       <a:r>
                         <a:rPr lang="en-US" dirty="0"/>
-                        <a:t>1</a:t>
+                        <a:t>3</a:t>
                       </a:r>
                     </a:p>
                   </a:txBody>
@@ -10498,7 +11322,7 @@
                     <a:p>
                       <a:r>
                         <a:rPr lang="en-US" dirty="0"/>
-                        <a:t>1</a:t>
+                        <a:t>2</a:t>
                       </a:r>
                     </a:p>
                   </a:txBody>
@@ -10583,7 +11407,7 @@
                     <a:p>
                       <a:r>
                         <a:rPr lang="en-US" dirty="0"/>
-                        <a:t>1</a:t>
+                        <a:t>0</a:t>
                       </a:r>
                     </a:p>
                   </a:txBody>
@@ -10716,7 +11540,7 @@
 </p:sld>
 </file>
 
-<file path=ppt/slides/slide22.xml><?xml version="1.0" encoding="utf-8"?>
+<file path=ppt/slides/slide21.xml><?xml version="1.0" encoding="utf-8"?>
 <p:sld xmlns:a="http://schemas.openxmlformats.org/drawingml/2006/main" xmlns:r="http://schemas.openxmlformats.org/officeDocument/2006/relationships" xmlns:p="http://schemas.openxmlformats.org/presentationml/2006/main">
   <p:cSld>
     <p:spTree>
@@ -10817,7 +11641,7 @@
 </p:sld>
 </file>
 
-<file path=ppt/slides/slide23.xml><?xml version="1.0" encoding="utf-8"?>
+<file path=ppt/slides/slide22.xml><?xml version="1.0" encoding="utf-8"?>
 <p:sld xmlns:a="http://schemas.openxmlformats.org/drawingml/2006/main" xmlns:r="http://schemas.openxmlformats.org/officeDocument/2006/relationships" xmlns:p="http://schemas.openxmlformats.org/presentationml/2006/main">
   <p:cSld>
     <p:spTree>
@@ -11570,7 +12394,7 @@
 </p:sld>
 </file>
 
-<file path=ppt/slides/slide24.xml><?xml version="1.0" encoding="utf-8"?>
+<file path=ppt/slides/slide23.xml><?xml version="1.0" encoding="utf-8"?>
 <p:sld xmlns:a="http://schemas.openxmlformats.org/drawingml/2006/main" xmlns:r="http://schemas.openxmlformats.org/officeDocument/2006/relationships" xmlns:p="http://schemas.openxmlformats.org/presentationml/2006/main">
   <p:cSld>
     <p:spTree>
@@ -11842,7 +12666,7 @@
 </p:sld>
 </file>
 
-<file path=ppt/slides/slide25.xml><?xml version="1.0" encoding="utf-8"?>
+<file path=ppt/slides/slide24.xml><?xml version="1.0" encoding="utf-8"?>
 <p:sld xmlns:a="http://schemas.openxmlformats.org/drawingml/2006/main" xmlns:r="http://schemas.openxmlformats.org/officeDocument/2006/relationships" xmlns:p="http://schemas.openxmlformats.org/presentationml/2006/main">
   <p:cSld>
     <p:spTree>
@@ -13055,7 +13879,7 @@
 </p:sld>
 </file>
 
-<file path=ppt/slides/slide26.xml><?xml version="1.0" encoding="utf-8"?>
+<file path=ppt/slides/slide25.xml><?xml version="1.0" encoding="utf-8"?>
 <p:sld xmlns:a="http://schemas.openxmlformats.org/drawingml/2006/main" xmlns:r="http://schemas.openxmlformats.org/officeDocument/2006/relationships" xmlns:p="http://schemas.openxmlformats.org/presentationml/2006/main">
   <p:cSld>
     <p:spTree>
@@ -14318,7 +15142,7 @@
 </p:sld>
 </file>
 
-<file path=ppt/slides/slide27.xml><?xml version="1.0" encoding="utf-8"?>
+<file path=ppt/slides/slide26.xml><?xml version="1.0" encoding="utf-8"?>
 <p:sld xmlns:a="http://schemas.openxmlformats.org/drawingml/2006/main" xmlns:r="http://schemas.openxmlformats.org/officeDocument/2006/relationships" xmlns:p="http://schemas.openxmlformats.org/presentationml/2006/main">
   <p:cSld>
     <p:spTree>
@@ -14401,7 +15225,7 @@
 </p:sld>
 </file>
 
-<file path=ppt/slides/slide28.xml><?xml version="1.0" encoding="utf-8"?>
+<file path=ppt/slides/slide27.xml><?xml version="1.0" encoding="utf-8"?>
 <p:sld xmlns:a="http://schemas.openxmlformats.org/drawingml/2006/main" xmlns:r="http://schemas.openxmlformats.org/officeDocument/2006/relationships" xmlns:p="http://schemas.openxmlformats.org/presentationml/2006/main">
   <p:cSld>
     <p:spTree>
@@ -14531,7 +15355,7 @@
 </p:sld>
 </file>
 
-<file path=ppt/slides/slide29.xml><?xml version="1.0" encoding="utf-8"?>
+<file path=ppt/slides/slide28.xml><?xml version="1.0" encoding="utf-8"?>
 <p:sld xmlns:a="http://schemas.openxmlformats.org/drawingml/2006/main" xmlns:r="http://schemas.openxmlformats.org/officeDocument/2006/relationships" xmlns:p="http://schemas.openxmlformats.org/presentationml/2006/main">
   <p:cSld>
     <p:bg>
@@ -14614,105 +15438,7 @@
 </p:sld>
 </file>
 
-<file path=ppt/slides/slide3.xml><?xml version="1.0" encoding="utf-8"?>
-<p:sld xmlns:a="http://schemas.openxmlformats.org/drawingml/2006/main" xmlns:r="http://schemas.openxmlformats.org/officeDocument/2006/relationships" xmlns:p="http://schemas.openxmlformats.org/presentationml/2006/main">
-  <p:cSld>
-    <p:spTree>
-      <p:nvGrpSpPr>
-        <p:cNvPr id="1" name=""/>
-        <p:cNvGrpSpPr/>
-        <p:nvPr/>
-      </p:nvGrpSpPr>
-      <p:grpSpPr>
-        <a:xfrm>
-          <a:off x="0" y="0"/>
-          <a:ext cx="0" cy="0"/>
-          <a:chOff x="0" y="0"/>
-          <a:chExt cx="0" cy="0"/>
-        </a:xfrm>
-      </p:grpSpPr>
-      <p:sp>
-        <p:nvSpPr>
-          <p:cNvPr id="2" name="Title 1">
-            <a:extLst>
-              <a:ext uri="{FF2B5EF4-FFF2-40B4-BE49-F238E27FC236}">
-                <a16:creationId xmlns:a16="http://schemas.microsoft.com/office/drawing/2014/main" id="{22C37DDF-BB99-7322-A291-273F5F220952}"/>
-              </a:ext>
-            </a:extLst>
-          </p:cNvPr>
-          <p:cNvSpPr>
-            <a:spLocks noGrp="1"/>
-          </p:cNvSpPr>
-          <p:nvPr>
-            <p:ph type="title"/>
-          </p:nvPr>
-        </p:nvSpPr>
-        <p:spPr/>
-        <p:txBody>
-          <a:bodyPr/>
-          <a:lstStyle/>
-          <a:p>
-            <a:r>
-              <a:rPr lang="en-US" dirty="0"/>
-              <a:t>Glossary </a:t>
-            </a:r>
-          </a:p>
-        </p:txBody>
-      </p:sp>
-      <p:sp>
-        <p:nvSpPr>
-          <p:cNvPr id="3" name="Content Placeholder 2">
-            <a:extLst>
-              <a:ext uri="{FF2B5EF4-FFF2-40B4-BE49-F238E27FC236}">
-                <a16:creationId xmlns:a16="http://schemas.microsoft.com/office/drawing/2014/main" id="{EEDE7C6F-8518-71B5-974E-2A707B423FC0}"/>
-              </a:ext>
-            </a:extLst>
-          </p:cNvPr>
-          <p:cNvSpPr>
-            <a:spLocks noGrp="1"/>
-          </p:cNvSpPr>
-          <p:nvPr>
-            <p:ph idx="1"/>
-          </p:nvPr>
-        </p:nvSpPr>
-        <p:spPr/>
-        <p:txBody>
-          <a:bodyPr/>
-          <a:lstStyle/>
-          <a:p>
-            <a:r>
-              <a:rPr lang="en-US" dirty="0"/>
-              <a:t>Token = Word</a:t>
-            </a:r>
-          </a:p>
-          <a:p>
-            <a:r>
-              <a:rPr lang="en-US" dirty="0"/>
-              <a:t>Document = Collection of Tokens</a:t>
-            </a:r>
-          </a:p>
-          <a:p>
-            <a:r>
-              <a:rPr lang="en-US" dirty="0"/>
-              <a:t>Corpus = Collection of Documents</a:t>
-            </a:r>
-          </a:p>
-        </p:txBody>
-      </p:sp>
-    </p:spTree>
-    <p:extLst>
-      <p:ext uri="{BB962C8B-B14F-4D97-AF65-F5344CB8AC3E}">
-        <p14:creationId xmlns:p14="http://schemas.microsoft.com/office/powerpoint/2010/main" val="2334258681"/>
-      </p:ext>
-    </p:extLst>
-  </p:cSld>
-  <p:clrMapOvr>
-    <a:masterClrMapping/>
-  </p:clrMapOvr>
-</p:sld>
-</file>
-
-<file path=ppt/slides/slide30.xml><?xml version="1.0" encoding="utf-8"?>
+<file path=ppt/slides/slide29.xml><?xml version="1.0" encoding="utf-8"?>
 <p:sld xmlns:a="http://schemas.openxmlformats.org/drawingml/2006/main" xmlns:r="http://schemas.openxmlformats.org/officeDocument/2006/relationships" xmlns:p="http://schemas.openxmlformats.org/presentationml/2006/main">
   <p:cSld>
     <p:spTree>
@@ -14911,7 +15637,7 @@
 </p:sld>
 </file>
 
-<file path=ppt/slides/slide4.xml><?xml version="1.0" encoding="utf-8"?>
+<file path=ppt/slides/slide3.xml><?xml version="1.0" encoding="utf-8"?>
 <p:sld xmlns:a="http://schemas.openxmlformats.org/drawingml/2006/main" xmlns:r="http://schemas.openxmlformats.org/officeDocument/2006/relationships" xmlns:p="http://schemas.openxmlformats.org/presentationml/2006/main">
   <p:cSld>
     <p:spTree>
@@ -15066,6 +15792,213 @@
     <p:extLst>
       <p:ext uri="{BB962C8B-B14F-4D97-AF65-F5344CB8AC3E}">
         <p14:creationId xmlns:p14="http://schemas.microsoft.com/office/powerpoint/2010/main" val="904987737"/>
+      </p:ext>
+    </p:extLst>
+  </p:cSld>
+  <p:clrMapOvr>
+    <a:masterClrMapping/>
+  </p:clrMapOvr>
+</p:sld>
+</file>
+
+<file path=ppt/slides/slide30.xml><?xml version="1.0" encoding="utf-8"?>
+<p:sld xmlns:a="http://schemas.openxmlformats.org/drawingml/2006/main" xmlns:r="http://schemas.openxmlformats.org/officeDocument/2006/relationships" xmlns:p="http://schemas.openxmlformats.org/presentationml/2006/main">
+  <p:cSld>
+    <p:spTree>
+      <p:nvGrpSpPr>
+        <p:cNvPr id="1" name=""/>
+        <p:cNvGrpSpPr/>
+        <p:nvPr/>
+      </p:nvGrpSpPr>
+      <p:grpSpPr>
+        <a:xfrm>
+          <a:off x="0" y="0"/>
+          <a:ext cx="0" cy="0"/>
+          <a:chOff x="0" y="0"/>
+          <a:chExt cx="0" cy="0"/>
+        </a:xfrm>
+      </p:grpSpPr>
+      <p:sp>
+        <p:nvSpPr>
+          <p:cNvPr id="2" name="Title 1">
+            <a:extLst>
+              <a:ext uri="{FF2B5EF4-FFF2-40B4-BE49-F238E27FC236}">
+                <a16:creationId xmlns:a16="http://schemas.microsoft.com/office/drawing/2014/main" id="{D531CBCA-F5F8-F3D1-AD8B-DB6C6B9FBD3D}"/>
+              </a:ext>
+            </a:extLst>
+          </p:cNvPr>
+          <p:cNvSpPr>
+            <a:spLocks noGrp="1"/>
+          </p:cNvSpPr>
+          <p:nvPr>
+            <p:ph type="title"/>
+          </p:nvPr>
+        </p:nvSpPr>
+        <p:spPr/>
+        <p:txBody>
+          <a:bodyPr/>
+          <a:lstStyle/>
+          <a:p>
+            <a:r>
+              <a:rPr lang="en-US" dirty="0"/>
+              <a:t>Today’s Readings</a:t>
+            </a:r>
+          </a:p>
+        </p:txBody>
+      </p:sp>
+      <p:sp>
+        <p:nvSpPr>
+          <p:cNvPr id="3" name="Content Placeholder 2">
+            <a:extLst>
+              <a:ext uri="{FF2B5EF4-FFF2-40B4-BE49-F238E27FC236}">
+                <a16:creationId xmlns:a16="http://schemas.microsoft.com/office/drawing/2014/main" id="{59380D1F-C5B6-0720-769C-AF9333D0EA62}"/>
+              </a:ext>
+            </a:extLst>
+          </p:cNvPr>
+          <p:cNvSpPr>
+            <a:spLocks noGrp="1"/>
+          </p:cNvSpPr>
+          <p:nvPr>
+            <p:ph idx="1"/>
+          </p:nvPr>
+        </p:nvSpPr>
+        <p:spPr/>
+        <p:txBody>
+          <a:bodyPr/>
+          <a:lstStyle/>
+          <a:p>
+            <a:r>
+              <a:rPr lang="en-US" dirty="0"/>
+              <a:t>Did the paper answer the research question? </a:t>
+            </a:r>
+          </a:p>
+          <a:p>
+            <a:r>
+              <a:rPr lang="en-US" dirty="0"/>
+              <a:t>Was the data appropriate for answering that question? </a:t>
+            </a:r>
+          </a:p>
+          <a:p>
+            <a:r>
+              <a:rPr lang="en-US" dirty="0"/>
+              <a:t>Was the method appropriate for answering that question? </a:t>
+            </a:r>
+          </a:p>
+          <a:p>
+            <a:r>
+              <a:rPr lang="en-US" dirty="0"/>
+              <a:t>Are the conclusions arrived at by the author supported by their evidence?</a:t>
+            </a:r>
+          </a:p>
+        </p:txBody>
+      </p:sp>
+    </p:spTree>
+    <p:extLst>
+      <p:ext uri="{BB962C8B-B14F-4D97-AF65-F5344CB8AC3E}">
+        <p14:creationId xmlns:p14="http://schemas.microsoft.com/office/powerpoint/2010/main" val="3956272448"/>
+      </p:ext>
+    </p:extLst>
+  </p:cSld>
+  <p:clrMapOvr>
+    <a:masterClrMapping/>
+  </p:clrMapOvr>
+</p:sld>
+</file>
+
+<file path=ppt/slides/slide4.xml><?xml version="1.0" encoding="utf-8"?>
+<p:sld xmlns:a="http://schemas.openxmlformats.org/drawingml/2006/main" xmlns:r="http://schemas.openxmlformats.org/officeDocument/2006/relationships" xmlns:p="http://schemas.openxmlformats.org/presentationml/2006/main">
+  <p:cSld>
+    <p:spTree>
+      <p:nvGrpSpPr>
+        <p:cNvPr id="1" name=""/>
+        <p:cNvGrpSpPr/>
+        <p:nvPr/>
+      </p:nvGrpSpPr>
+      <p:grpSpPr>
+        <a:xfrm>
+          <a:off x="0" y="0"/>
+          <a:ext cx="0" cy="0"/>
+          <a:chOff x="0" y="0"/>
+          <a:chExt cx="0" cy="0"/>
+        </a:xfrm>
+      </p:grpSpPr>
+      <p:sp>
+        <p:nvSpPr>
+          <p:cNvPr id="2" name="Title 1">
+            <a:extLst>
+              <a:ext uri="{FF2B5EF4-FFF2-40B4-BE49-F238E27FC236}">
+                <a16:creationId xmlns:a16="http://schemas.microsoft.com/office/drawing/2014/main" id="{C72245CD-A54F-AFE6-4374-990E3F1CB722}"/>
+              </a:ext>
+            </a:extLst>
+          </p:cNvPr>
+          <p:cNvSpPr>
+            <a:spLocks noGrp="1"/>
+          </p:cNvSpPr>
+          <p:nvPr>
+            <p:ph type="title"/>
+          </p:nvPr>
+        </p:nvSpPr>
+        <p:spPr/>
+        <p:txBody>
+          <a:bodyPr/>
+          <a:lstStyle/>
+          <a:p>
+            <a:endParaRPr lang="en-US" dirty="0"/>
+          </a:p>
+        </p:txBody>
+      </p:sp>
+      <p:sp>
+        <p:nvSpPr>
+          <p:cNvPr id="3" name="Content Placeholder 2">
+            <a:extLst>
+              <a:ext uri="{FF2B5EF4-FFF2-40B4-BE49-F238E27FC236}">
+                <a16:creationId xmlns:a16="http://schemas.microsoft.com/office/drawing/2014/main" id="{5A048FAC-B415-BD3E-2DC3-76CEE0FCDC4F}"/>
+              </a:ext>
+            </a:extLst>
+          </p:cNvPr>
+          <p:cNvSpPr>
+            <a:spLocks noGrp="1"/>
+          </p:cNvSpPr>
+          <p:nvPr>
+            <p:ph idx="1"/>
+          </p:nvPr>
+        </p:nvSpPr>
+        <p:spPr/>
+        <p:txBody>
+          <a:bodyPr/>
+          <a:lstStyle/>
+          <a:p>
+            <a:endParaRPr lang="en-US" dirty="0"/>
+          </a:p>
+          <a:p>
+            <a:endParaRPr lang="en-US" dirty="0"/>
+          </a:p>
+          <a:p>
+            <a:r>
+              <a:rPr lang="en-US" dirty="0"/>
+              <a:t>There are two big approaches to computational text analysis:</a:t>
+            </a:r>
+          </a:p>
+          <a:p>
+            <a:pPr lvl="1"/>
+            <a:r>
+              <a:rPr lang="en-US" dirty="0"/>
+              <a:t>Bag-of-words</a:t>
+            </a:r>
+          </a:p>
+          <a:p>
+            <a:pPr lvl="1"/>
+            <a:r>
+              <a:rPr lang="en-US" dirty="0"/>
+              <a:t>Word embeddings </a:t>
+            </a:r>
+          </a:p>
+        </p:txBody>
+      </p:sp>
+    </p:spTree>
+    <p:extLst>
+      <p:ext uri="{BB962C8B-B14F-4D97-AF65-F5344CB8AC3E}">
+        <p14:creationId xmlns:p14="http://schemas.microsoft.com/office/powerpoint/2010/main" val="429425326"/>
       </p:ext>
     </p:extLst>
   </p:cSld>
@@ -15152,109 +16085,6 @@
           <a:p>
             <a:pPr lvl="1"/>
             <a:r>
-              <a:rPr lang="en-US" dirty="0"/>
-              <a:t>Bag-of-words</a:t>
-            </a:r>
-          </a:p>
-          <a:p>
-            <a:pPr lvl="1"/>
-            <a:r>
-              <a:rPr lang="en-US" dirty="0"/>
-              <a:t>Word embeddings </a:t>
-            </a:r>
-          </a:p>
-        </p:txBody>
-      </p:sp>
-    </p:spTree>
-    <p:extLst>
-      <p:ext uri="{BB962C8B-B14F-4D97-AF65-F5344CB8AC3E}">
-        <p14:creationId xmlns:p14="http://schemas.microsoft.com/office/powerpoint/2010/main" val="429425326"/>
-      </p:ext>
-    </p:extLst>
-  </p:cSld>
-  <p:clrMapOvr>
-    <a:masterClrMapping/>
-  </p:clrMapOvr>
-</p:sld>
-</file>
-
-<file path=ppt/slides/slide6.xml><?xml version="1.0" encoding="utf-8"?>
-<p:sld xmlns:a="http://schemas.openxmlformats.org/drawingml/2006/main" xmlns:r="http://schemas.openxmlformats.org/officeDocument/2006/relationships" xmlns:p="http://schemas.openxmlformats.org/presentationml/2006/main">
-  <p:cSld>
-    <p:spTree>
-      <p:nvGrpSpPr>
-        <p:cNvPr id="1" name=""/>
-        <p:cNvGrpSpPr/>
-        <p:nvPr/>
-      </p:nvGrpSpPr>
-      <p:grpSpPr>
-        <a:xfrm>
-          <a:off x="0" y="0"/>
-          <a:ext cx="0" cy="0"/>
-          <a:chOff x="0" y="0"/>
-          <a:chExt cx="0" cy="0"/>
-        </a:xfrm>
-      </p:grpSpPr>
-      <p:sp>
-        <p:nvSpPr>
-          <p:cNvPr id="2" name="Title 1">
-            <a:extLst>
-              <a:ext uri="{FF2B5EF4-FFF2-40B4-BE49-F238E27FC236}">
-                <a16:creationId xmlns:a16="http://schemas.microsoft.com/office/drawing/2014/main" id="{C72245CD-A54F-AFE6-4374-990E3F1CB722}"/>
-              </a:ext>
-            </a:extLst>
-          </p:cNvPr>
-          <p:cNvSpPr>
-            <a:spLocks noGrp="1"/>
-          </p:cNvSpPr>
-          <p:nvPr>
-            <p:ph type="title"/>
-          </p:nvPr>
-        </p:nvSpPr>
-        <p:spPr/>
-        <p:txBody>
-          <a:bodyPr/>
-          <a:lstStyle/>
-          <a:p>
-            <a:endParaRPr lang="en-US" dirty="0"/>
-          </a:p>
-        </p:txBody>
-      </p:sp>
-      <p:sp>
-        <p:nvSpPr>
-          <p:cNvPr id="3" name="Content Placeholder 2">
-            <a:extLst>
-              <a:ext uri="{FF2B5EF4-FFF2-40B4-BE49-F238E27FC236}">
-                <a16:creationId xmlns:a16="http://schemas.microsoft.com/office/drawing/2014/main" id="{5A048FAC-B415-BD3E-2DC3-76CEE0FCDC4F}"/>
-              </a:ext>
-            </a:extLst>
-          </p:cNvPr>
-          <p:cNvSpPr>
-            <a:spLocks noGrp="1"/>
-          </p:cNvSpPr>
-          <p:nvPr>
-            <p:ph idx="1"/>
-          </p:nvPr>
-        </p:nvSpPr>
-        <p:spPr/>
-        <p:txBody>
-          <a:bodyPr/>
-          <a:lstStyle/>
-          <a:p>
-            <a:endParaRPr lang="en-US" dirty="0"/>
-          </a:p>
-          <a:p>
-            <a:endParaRPr lang="en-US" dirty="0"/>
-          </a:p>
-          <a:p>
-            <a:r>
-              <a:rPr lang="en-US" dirty="0"/>
-              <a:t>There are two big approaches to computational text analysis:</a:t>
-            </a:r>
-          </a:p>
-          <a:p>
-            <a:pPr lvl="1"/>
-            <a:r>
               <a:rPr lang="en-US" dirty="0">
                 <a:solidFill>
                   <a:schemeClr val="accent4"/>
@@ -15285,7 +16115,7 @@
 </p:sld>
 </file>
 
-<file path=ppt/slides/slide7.xml><?xml version="1.0" encoding="utf-8"?>
+<file path=ppt/slides/slide6.xml><?xml version="1.0" encoding="utf-8"?>
 <p:sld xmlns:a="http://schemas.openxmlformats.org/drawingml/2006/main" xmlns:r="http://schemas.openxmlformats.org/officeDocument/2006/relationships" xmlns:p="http://schemas.openxmlformats.org/presentationml/2006/main">
   <p:cSld>
     <p:spTree>
@@ -15431,7 +16261,7 @@
 </p:sld>
 </file>
 
-<file path=ppt/slides/slide8.xml><?xml version="1.0" encoding="utf-8"?>
+<file path=ppt/slides/slide7.xml><?xml version="1.0" encoding="utf-8"?>
 <p:sld xmlns:a="http://schemas.openxmlformats.org/drawingml/2006/main" xmlns:r="http://schemas.openxmlformats.org/officeDocument/2006/relationships" xmlns:p="http://schemas.openxmlformats.org/presentationml/2006/main">
   <p:cSld>
     <p:spTree>
@@ -15519,7 +16349,7 @@
 </p:sld>
 </file>
 
-<file path=ppt/slides/slide9.xml><?xml version="1.0" encoding="utf-8"?>
+<file path=ppt/slides/slide8.xml><?xml version="1.0" encoding="utf-8"?>
 <p:sld xmlns:a="http://schemas.openxmlformats.org/drawingml/2006/main" xmlns:r="http://schemas.openxmlformats.org/officeDocument/2006/relationships" xmlns:p="http://schemas.openxmlformats.org/presentationml/2006/main">
   <p:cSld>
     <p:spTree>
@@ -15636,6 +16466,134 @@
     <p:extLst>
       <p:ext uri="{BB962C8B-B14F-4D97-AF65-F5344CB8AC3E}">
         <p14:creationId xmlns:p14="http://schemas.microsoft.com/office/powerpoint/2010/main" val="2753877222"/>
+      </p:ext>
+    </p:extLst>
+  </p:cSld>
+  <p:clrMapOvr>
+    <a:masterClrMapping/>
+  </p:clrMapOvr>
+</p:sld>
+</file>
+
+<file path=ppt/slides/slide9.xml><?xml version="1.0" encoding="utf-8"?>
+<p:sld xmlns:a="http://schemas.openxmlformats.org/drawingml/2006/main" xmlns:r="http://schemas.openxmlformats.org/officeDocument/2006/relationships" xmlns:p="http://schemas.openxmlformats.org/presentationml/2006/main">
+  <p:cSld>
+    <p:spTree>
+      <p:nvGrpSpPr>
+        <p:cNvPr id="1" name=""/>
+        <p:cNvGrpSpPr/>
+        <p:nvPr/>
+      </p:nvGrpSpPr>
+      <p:grpSpPr>
+        <a:xfrm>
+          <a:off x="0" y="0"/>
+          <a:ext cx="0" cy="0"/>
+          <a:chOff x="0" y="0"/>
+          <a:chExt cx="0" cy="0"/>
+        </a:xfrm>
+      </p:grpSpPr>
+      <p:sp>
+        <p:nvSpPr>
+          <p:cNvPr id="2" name="Title 1">
+            <a:extLst>
+              <a:ext uri="{FF2B5EF4-FFF2-40B4-BE49-F238E27FC236}">
+                <a16:creationId xmlns:a16="http://schemas.microsoft.com/office/drawing/2014/main" id="{76CD47FF-C1D6-F84E-17C0-4E8E83E249D5}"/>
+              </a:ext>
+            </a:extLst>
+          </p:cNvPr>
+          <p:cNvSpPr>
+            <a:spLocks noGrp="1"/>
+          </p:cNvSpPr>
+          <p:nvPr>
+            <p:ph type="title"/>
+          </p:nvPr>
+        </p:nvSpPr>
+        <p:spPr/>
+        <p:txBody>
+          <a:bodyPr/>
+          <a:lstStyle/>
+          <a:p>
+            <a:r>
+              <a:rPr lang="en-US" dirty="0"/>
+              <a:t>1. The Unit of Analysis</a:t>
+            </a:r>
+          </a:p>
+        </p:txBody>
+      </p:sp>
+      <p:sp>
+        <p:nvSpPr>
+          <p:cNvPr id="3" name="Content Placeholder 2">
+            <a:extLst>
+              <a:ext uri="{FF2B5EF4-FFF2-40B4-BE49-F238E27FC236}">
+                <a16:creationId xmlns:a16="http://schemas.microsoft.com/office/drawing/2014/main" id="{0A8E5013-2274-C73A-7B67-454CA6C3301F}"/>
+              </a:ext>
+            </a:extLst>
+          </p:cNvPr>
+          <p:cNvSpPr>
+            <a:spLocks noGrp="1"/>
+          </p:cNvSpPr>
+          <p:nvPr>
+            <p:ph idx="1"/>
+          </p:nvPr>
+        </p:nvSpPr>
+        <p:spPr/>
+        <p:txBody>
+          <a:bodyPr/>
+          <a:lstStyle/>
+          <a:p>
+            <a:r>
+              <a:rPr lang="en-US" dirty="0"/>
+              <a:t>When analyzing text, we need to determine the unit of analysis.</a:t>
+            </a:r>
+          </a:p>
+          <a:p>
+            <a:r>
+              <a:rPr lang="en-US" dirty="0"/>
+              <a:t>Let’s say you want to analyze a corpus of Constitutions. What should the unit of analysis be?</a:t>
+            </a:r>
+          </a:p>
+          <a:p>
+            <a:pPr lvl="1"/>
+            <a:r>
+              <a:rPr lang="en-US" dirty="0"/>
+              <a:t>The whole constitution?</a:t>
+            </a:r>
+          </a:p>
+          <a:p>
+            <a:pPr lvl="1"/>
+            <a:r>
+              <a:rPr lang="en-US" dirty="0"/>
+              <a:t>Each chapter?</a:t>
+            </a:r>
+          </a:p>
+          <a:p>
+            <a:pPr lvl="1"/>
+            <a:r>
+              <a:rPr lang="en-US" dirty="0"/>
+              <a:t>Each subsection?</a:t>
+            </a:r>
+          </a:p>
+          <a:p>
+            <a:pPr lvl="1"/>
+            <a:r>
+              <a:rPr lang="en-US" dirty="0"/>
+              <a:t>Each law/amendment?</a:t>
+            </a:r>
+          </a:p>
+          <a:p>
+            <a:pPr lvl="1"/>
+            <a:endParaRPr lang="en-US" dirty="0"/>
+          </a:p>
+          <a:p>
+            <a:pPr lvl="1"/>
+            <a:endParaRPr lang="en-US" dirty="0"/>
+          </a:p>
+        </p:txBody>
+      </p:sp>
+    </p:spTree>
+    <p:extLst>
+      <p:ext uri="{BB962C8B-B14F-4D97-AF65-F5344CB8AC3E}">
+        <p14:creationId xmlns:p14="http://schemas.microsoft.com/office/powerpoint/2010/main" val="661034917"/>
       </p:ext>
     </p:extLst>
   </p:cSld>
@@ -15903,4 +16861,319 @@
     </a:ext>
   </a:extLst>
 </a:theme>
+</file>
+
+<file path=ppt/theme/theme2.xml><?xml version="1.0" encoding="utf-8"?>
+<a:theme xmlns:a="http://schemas.openxmlformats.org/drawingml/2006/main" name="Office Theme">
+  <a:themeElements>
+    <a:clrScheme name="Office">
+      <a:dk1>
+        <a:sysClr val="windowText" lastClr="000000"/>
+      </a:dk1>
+      <a:lt1>
+        <a:sysClr val="window" lastClr="FFFFFF"/>
+      </a:lt1>
+      <a:dk2>
+        <a:srgbClr val="0E2841"/>
+      </a:dk2>
+      <a:lt2>
+        <a:srgbClr val="E8E8E8"/>
+      </a:lt2>
+      <a:accent1>
+        <a:srgbClr val="156082"/>
+      </a:accent1>
+      <a:accent2>
+        <a:srgbClr val="E97132"/>
+      </a:accent2>
+      <a:accent3>
+        <a:srgbClr val="196B24"/>
+      </a:accent3>
+      <a:accent4>
+        <a:srgbClr val="0F9ED5"/>
+      </a:accent4>
+      <a:accent5>
+        <a:srgbClr val="A02B93"/>
+      </a:accent5>
+      <a:accent6>
+        <a:srgbClr val="4EA72E"/>
+      </a:accent6>
+      <a:hlink>
+        <a:srgbClr val="467886"/>
+      </a:hlink>
+      <a:folHlink>
+        <a:srgbClr val="96607D"/>
+      </a:folHlink>
+    </a:clrScheme>
+    <a:fontScheme name="Office">
+      <a:majorFont>
+        <a:latin typeface="Aptos Display" panose="02110004020202020204"/>
+        <a:ea typeface=""/>
+        <a:cs typeface=""/>
+        <a:font script="Jpan" typeface="游ゴシック Light"/>
+        <a:font script="Hang" typeface="맑은 고딕"/>
+        <a:font script="Hans" typeface="等线 Light"/>
+        <a:font script="Hant" typeface="新細明體"/>
+        <a:font script="Arab" typeface="Times New Roman"/>
+        <a:font script="Hebr" typeface="Times New Roman"/>
+        <a:font script="Thai" typeface="Angsana New"/>
+        <a:font script="Ethi" typeface="Nyala"/>
+        <a:font script="Beng" typeface="Vrinda"/>
+        <a:font script="Gujr" typeface="Shruti"/>
+        <a:font script="Khmr" typeface="MoolBoran"/>
+        <a:font script="Knda" typeface="Tunga"/>
+        <a:font script="Guru" typeface="Raavi"/>
+        <a:font script="Cans" typeface="Euphemia"/>
+        <a:font script="Cher" typeface="Plantagenet Cherokee"/>
+        <a:font script="Yiii" typeface="Microsoft Yi Baiti"/>
+        <a:font script="Tibt" typeface="Microsoft Himalaya"/>
+        <a:font script="Thaa" typeface="MV Boli"/>
+        <a:font script="Deva" typeface="Mangal"/>
+        <a:font script="Telu" typeface="Gautami"/>
+        <a:font script="Taml" typeface="Latha"/>
+        <a:font script="Syrc" typeface="Estrangelo Edessa"/>
+        <a:font script="Orya" typeface="Kalinga"/>
+        <a:font script="Mlym" typeface="Kartika"/>
+        <a:font script="Laoo" typeface="DokChampa"/>
+        <a:font script="Sinh" typeface="Iskoola Pota"/>
+        <a:font script="Mong" typeface="Mongolian Baiti"/>
+        <a:font script="Viet" typeface="Times New Roman"/>
+        <a:font script="Uigh" typeface="Microsoft Uighur"/>
+        <a:font script="Geor" typeface="Sylfaen"/>
+        <a:font script="Armn" typeface="Arial"/>
+        <a:font script="Bugi" typeface="Leelawadee UI"/>
+        <a:font script="Bopo" typeface="Microsoft JhengHei"/>
+        <a:font script="Java" typeface="Javanese Text"/>
+        <a:font script="Lisu" typeface="Segoe UI"/>
+        <a:font script="Mymr" typeface="Myanmar Text"/>
+        <a:font script="Nkoo" typeface="Ebrima"/>
+        <a:font script="Olck" typeface="Nirmala UI"/>
+        <a:font script="Osma" typeface="Ebrima"/>
+        <a:font script="Phag" typeface="Phagspa"/>
+        <a:font script="Syrn" typeface="Estrangelo Edessa"/>
+        <a:font script="Syrj" typeface="Estrangelo Edessa"/>
+        <a:font script="Syre" typeface="Estrangelo Edessa"/>
+        <a:font script="Sora" typeface="Nirmala UI"/>
+        <a:font script="Tale" typeface="Microsoft Tai Le"/>
+        <a:font script="Talu" typeface="Microsoft New Tai Lue"/>
+        <a:font script="Tfng" typeface="Ebrima"/>
+      </a:majorFont>
+      <a:minorFont>
+        <a:latin typeface="Aptos" panose="02110004020202020204"/>
+        <a:ea typeface=""/>
+        <a:cs typeface=""/>
+        <a:font script="Jpan" typeface="游ゴシック"/>
+        <a:font script="Hang" typeface="맑은 고딕"/>
+        <a:font script="Hans" typeface="等线"/>
+        <a:font script="Hant" typeface="新細明體"/>
+        <a:font script="Arab" typeface="Arial"/>
+        <a:font script="Hebr" typeface="Arial"/>
+        <a:font script="Thai" typeface="Cordia New"/>
+        <a:font script="Ethi" typeface="Nyala"/>
+        <a:font script="Beng" typeface="Vrinda"/>
+        <a:font script="Gujr" typeface="Shruti"/>
+        <a:font script="Khmr" typeface="DaunPenh"/>
+        <a:font script="Knda" typeface="Tunga"/>
+        <a:font script="Guru" typeface="Raavi"/>
+        <a:font script="Cans" typeface="Euphemia"/>
+        <a:font script="Cher" typeface="Plantagenet Cherokee"/>
+        <a:font script="Yiii" typeface="Microsoft Yi Baiti"/>
+        <a:font script="Tibt" typeface="Microsoft Himalaya"/>
+        <a:font script="Thaa" typeface="MV Boli"/>
+        <a:font script="Deva" typeface="Mangal"/>
+        <a:font script="Telu" typeface="Gautami"/>
+        <a:font script="Taml" typeface="Latha"/>
+        <a:font script="Syrc" typeface="Estrangelo Edessa"/>
+        <a:font script="Orya" typeface="Kalinga"/>
+        <a:font script="Mlym" typeface="Kartika"/>
+        <a:font script="Laoo" typeface="DokChampa"/>
+        <a:font script="Sinh" typeface="Iskoola Pota"/>
+        <a:font script="Mong" typeface="Mongolian Baiti"/>
+        <a:font script="Viet" typeface="Arial"/>
+        <a:font script="Uigh" typeface="Microsoft Uighur"/>
+        <a:font script="Geor" typeface="Sylfaen"/>
+        <a:font script="Armn" typeface="Arial"/>
+        <a:font script="Bugi" typeface="Leelawadee UI"/>
+        <a:font script="Bopo" typeface="Microsoft JhengHei"/>
+        <a:font script="Java" typeface="Javanese Text"/>
+        <a:font script="Lisu" typeface="Segoe UI"/>
+        <a:font script="Mymr" typeface="Myanmar Text"/>
+        <a:font script="Nkoo" typeface="Ebrima"/>
+        <a:font script="Olck" typeface="Nirmala UI"/>
+        <a:font script="Osma" typeface="Ebrima"/>
+        <a:font script="Phag" typeface="Phagspa"/>
+        <a:font script="Syrn" typeface="Estrangelo Edessa"/>
+        <a:font script="Syrj" typeface="Estrangelo Edessa"/>
+        <a:font script="Syre" typeface="Estrangelo Edessa"/>
+        <a:font script="Sora" typeface="Nirmala UI"/>
+        <a:font script="Tale" typeface="Microsoft Tai Le"/>
+        <a:font script="Talu" typeface="Microsoft New Tai Lue"/>
+        <a:font script="Tfng" typeface="Ebrima"/>
+      </a:minorFont>
+    </a:fontScheme>
+    <a:fmtScheme name="Office">
+      <a:fillStyleLst>
+        <a:solidFill>
+          <a:schemeClr val="phClr"/>
+        </a:solidFill>
+        <a:gradFill rotWithShape="1">
+          <a:gsLst>
+            <a:gs pos="0">
+              <a:schemeClr val="phClr">
+                <a:lumMod val="110000"/>
+                <a:satMod val="105000"/>
+                <a:tint val="67000"/>
+              </a:schemeClr>
+            </a:gs>
+            <a:gs pos="50000">
+              <a:schemeClr val="phClr">
+                <a:lumMod val="105000"/>
+                <a:satMod val="103000"/>
+                <a:tint val="73000"/>
+              </a:schemeClr>
+            </a:gs>
+            <a:gs pos="100000">
+              <a:schemeClr val="phClr">
+                <a:lumMod val="105000"/>
+                <a:satMod val="109000"/>
+                <a:tint val="81000"/>
+              </a:schemeClr>
+            </a:gs>
+          </a:gsLst>
+          <a:lin ang="5400000" scaled="0"/>
+        </a:gradFill>
+        <a:gradFill rotWithShape="1">
+          <a:gsLst>
+            <a:gs pos="0">
+              <a:schemeClr val="phClr">
+                <a:satMod val="103000"/>
+                <a:lumMod val="102000"/>
+                <a:tint val="94000"/>
+              </a:schemeClr>
+            </a:gs>
+            <a:gs pos="50000">
+              <a:schemeClr val="phClr">
+                <a:satMod val="110000"/>
+                <a:lumMod val="100000"/>
+                <a:shade val="100000"/>
+              </a:schemeClr>
+            </a:gs>
+            <a:gs pos="100000">
+              <a:schemeClr val="phClr">
+                <a:lumMod val="99000"/>
+                <a:satMod val="120000"/>
+                <a:shade val="78000"/>
+              </a:schemeClr>
+            </a:gs>
+          </a:gsLst>
+          <a:lin ang="5400000" scaled="0"/>
+        </a:gradFill>
+      </a:fillStyleLst>
+      <a:lnStyleLst>
+        <a:ln w="12700" cap="flat" cmpd="sng" algn="ctr">
+          <a:solidFill>
+            <a:schemeClr val="phClr"/>
+          </a:solidFill>
+          <a:prstDash val="solid"/>
+          <a:miter lim="800000"/>
+        </a:ln>
+        <a:ln w="19050" cap="flat" cmpd="sng" algn="ctr">
+          <a:solidFill>
+            <a:schemeClr val="phClr"/>
+          </a:solidFill>
+          <a:prstDash val="solid"/>
+          <a:miter lim="800000"/>
+        </a:ln>
+        <a:ln w="25400" cap="flat" cmpd="sng" algn="ctr">
+          <a:solidFill>
+            <a:schemeClr val="phClr"/>
+          </a:solidFill>
+          <a:prstDash val="solid"/>
+          <a:miter lim="800000"/>
+        </a:ln>
+      </a:lnStyleLst>
+      <a:effectStyleLst>
+        <a:effectStyle>
+          <a:effectLst/>
+        </a:effectStyle>
+        <a:effectStyle>
+          <a:effectLst/>
+        </a:effectStyle>
+        <a:effectStyle>
+          <a:effectLst>
+            <a:outerShdw blurRad="57150" dist="19050" dir="5400000" algn="ctr" rotWithShape="0">
+              <a:srgbClr val="000000">
+                <a:alpha val="63000"/>
+              </a:srgbClr>
+            </a:outerShdw>
+          </a:effectLst>
+        </a:effectStyle>
+      </a:effectStyleLst>
+      <a:bgFillStyleLst>
+        <a:solidFill>
+          <a:schemeClr val="phClr"/>
+        </a:solidFill>
+        <a:solidFill>
+          <a:schemeClr val="phClr">
+            <a:tint val="95000"/>
+            <a:satMod val="170000"/>
+          </a:schemeClr>
+        </a:solidFill>
+        <a:gradFill rotWithShape="1">
+          <a:gsLst>
+            <a:gs pos="0">
+              <a:schemeClr val="phClr">
+                <a:tint val="93000"/>
+                <a:satMod val="150000"/>
+                <a:shade val="98000"/>
+                <a:lumMod val="102000"/>
+              </a:schemeClr>
+            </a:gs>
+            <a:gs pos="50000">
+              <a:schemeClr val="phClr">
+                <a:tint val="98000"/>
+                <a:satMod val="130000"/>
+                <a:shade val="90000"/>
+                <a:lumMod val="103000"/>
+              </a:schemeClr>
+            </a:gs>
+            <a:gs pos="100000">
+              <a:schemeClr val="phClr">
+                <a:shade val="63000"/>
+                <a:satMod val="120000"/>
+              </a:schemeClr>
+            </a:gs>
+          </a:gsLst>
+          <a:lin ang="5400000" scaled="0"/>
+        </a:gradFill>
+      </a:bgFillStyleLst>
+    </a:fmtScheme>
+  </a:themeElements>
+  <a:objectDefaults>
+    <a:lnDef>
+      <a:spPr/>
+      <a:bodyPr/>
+      <a:lstStyle/>
+      <a:style>
+        <a:lnRef idx="2">
+          <a:schemeClr val="accent1"/>
+        </a:lnRef>
+        <a:fillRef idx="0">
+          <a:schemeClr val="accent1"/>
+        </a:fillRef>
+        <a:effectRef idx="1">
+          <a:schemeClr val="accent1"/>
+        </a:effectRef>
+        <a:fontRef idx="minor">
+          <a:schemeClr val="tx1"/>
+        </a:fontRef>
+      </a:style>
+    </a:lnDef>
+  </a:objectDefaults>
+  <a:extraClrSchemeLst/>
+  <a:extLst>
+    <a:ext uri="{05A4C25C-085E-4340-85A3-A5531E510DB2}">
+      <thm15:themeFamily xmlns:thm15="http://schemas.microsoft.com/office/thememl/2012/main" name="Office Theme" id="{2E142A2C-CD16-42D6-873A-C26D2A0506FA}" vid="{1BDDFF52-6CD6-40A5-AB3C-68EB2F1E4D0A}"/>
+    </a:ext>
+  </a:extLst>
+</a:theme>
 </file>